--- a/OneChef/RIS狀態表.pptx
+++ b/OneChef/RIS狀態表.pptx
@@ -11,13 +11,14 @@
     <p:sldId id="260" r:id="rId5"/>
     <p:sldId id="262" r:id="rId6"/>
     <p:sldId id="261" r:id="rId7"/>
-    <p:sldId id="265" r:id="rId8"/>
-    <p:sldId id="266" r:id="rId9"/>
-    <p:sldId id="267" r:id="rId10"/>
-    <p:sldId id="268" r:id="rId11"/>
-    <p:sldId id="269" r:id="rId12"/>
-    <p:sldId id="270" r:id="rId13"/>
-    <p:sldId id="271" r:id="rId14"/>
+    <p:sldId id="272" r:id="rId8"/>
+    <p:sldId id="265" r:id="rId9"/>
+    <p:sldId id="266" r:id="rId10"/>
+    <p:sldId id="267" r:id="rId11"/>
+    <p:sldId id="268" r:id="rId12"/>
+    <p:sldId id="269" r:id="rId13"/>
+    <p:sldId id="270" r:id="rId14"/>
+    <p:sldId id="271" r:id="rId15"/>
   </p:sldIdLst>
   <p:sldSz cx="12192000" cy="6858000"/>
   <p:notesSz cx="6858000" cy="9144000"/>
@@ -255,7 +256,7 @@
           <a:p>
             <a:fld id="{9D4DD37A-589F-436F-A9BD-F4886FC1833E}" type="datetimeFigureOut">
               <a:rPr lang="zh-TW" altLang="en-US" smtClean="0"/>
-              <a:t>2017/5/10</a:t>
+              <a:t>2017/7/13</a:t>
             </a:fld>
             <a:endParaRPr lang="zh-TW" altLang="en-US"/>
           </a:p>
@@ -425,7 +426,7 @@
           <a:p>
             <a:fld id="{9D4DD37A-589F-436F-A9BD-F4886FC1833E}" type="datetimeFigureOut">
               <a:rPr lang="zh-TW" altLang="en-US" smtClean="0"/>
-              <a:t>2017/5/10</a:t>
+              <a:t>2017/7/13</a:t>
             </a:fld>
             <a:endParaRPr lang="zh-TW" altLang="en-US"/>
           </a:p>
@@ -605,7 +606,7 @@
           <a:p>
             <a:fld id="{9D4DD37A-589F-436F-A9BD-F4886FC1833E}" type="datetimeFigureOut">
               <a:rPr lang="zh-TW" altLang="en-US" smtClean="0"/>
-              <a:t>2017/5/10</a:t>
+              <a:t>2017/7/13</a:t>
             </a:fld>
             <a:endParaRPr lang="zh-TW" altLang="en-US"/>
           </a:p>
@@ -775,7 +776,7 @@
           <a:p>
             <a:fld id="{9D4DD37A-589F-436F-A9BD-F4886FC1833E}" type="datetimeFigureOut">
               <a:rPr lang="zh-TW" altLang="en-US" smtClean="0"/>
-              <a:t>2017/5/10</a:t>
+              <a:t>2017/7/13</a:t>
             </a:fld>
             <a:endParaRPr lang="zh-TW" altLang="en-US"/>
           </a:p>
@@ -1021,7 +1022,7 @@
           <a:p>
             <a:fld id="{9D4DD37A-589F-436F-A9BD-F4886FC1833E}" type="datetimeFigureOut">
               <a:rPr lang="zh-TW" altLang="en-US" smtClean="0"/>
-              <a:t>2017/5/10</a:t>
+              <a:t>2017/7/13</a:t>
             </a:fld>
             <a:endParaRPr lang="zh-TW" altLang="en-US"/>
           </a:p>
@@ -1253,7 +1254,7 @@
           <a:p>
             <a:fld id="{9D4DD37A-589F-436F-A9BD-F4886FC1833E}" type="datetimeFigureOut">
               <a:rPr lang="zh-TW" altLang="en-US" smtClean="0"/>
-              <a:t>2017/5/10</a:t>
+              <a:t>2017/7/13</a:t>
             </a:fld>
             <a:endParaRPr lang="zh-TW" altLang="en-US"/>
           </a:p>
@@ -1620,7 +1621,7 @@
           <a:p>
             <a:fld id="{9D4DD37A-589F-436F-A9BD-F4886FC1833E}" type="datetimeFigureOut">
               <a:rPr lang="zh-TW" altLang="en-US" smtClean="0"/>
-              <a:t>2017/5/10</a:t>
+              <a:t>2017/7/13</a:t>
             </a:fld>
             <a:endParaRPr lang="zh-TW" altLang="en-US"/>
           </a:p>
@@ -1738,7 +1739,7 @@
           <a:p>
             <a:fld id="{9D4DD37A-589F-436F-A9BD-F4886FC1833E}" type="datetimeFigureOut">
               <a:rPr lang="zh-TW" altLang="en-US" smtClean="0"/>
-              <a:t>2017/5/10</a:t>
+              <a:t>2017/7/13</a:t>
             </a:fld>
             <a:endParaRPr lang="zh-TW" altLang="en-US"/>
           </a:p>
@@ -1833,7 +1834,7 @@
           <a:p>
             <a:fld id="{9D4DD37A-589F-436F-A9BD-F4886FC1833E}" type="datetimeFigureOut">
               <a:rPr lang="zh-TW" altLang="en-US" smtClean="0"/>
-              <a:t>2017/5/10</a:t>
+              <a:t>2017/7/13</a:t>
             </a:fld>
             <a:endParaRPr lang="zh-TW" altLang="en-US"/>
           </a:p>
@@ -2110,7 +2111,7 @@
           <a:p>
             <a:fld id="{9D4DD37A-589F-436F-A9BD-F4886FC1833E}" type="datetimeFigureOut">
               <a:rPr lang="zh-TW" altLang="en-US" smtClean="0"/>
-              <a:t>2017/5/10</a:t>
+              <a:t>2017/7/13</a:t>
             </a:fld>
             <a:endParaRPr lang="zh-TW" altLang="en-US"/>
           </a:p>
@@ -2363,7 +2364,7 @@
           <a:p>
             <a:fld id="{9D4DD37A-589F-436F-A9BD-F4886FC1833E}" type="datetimeFigureOut">
               <a:rPr lang="zh-TW" altLang="en-US" smtClean="0"/>
-              <a:t>2017/5/10</a:t>
+              <a:t>2017/7/13</a:t>
             </a:fld>
             <a:endParaRPr lang="zh-TW" altLang="en-US"/>
           </a:p>
@@ -2576,7 +2577,7 @@
           <a:p>
             <a:fld id="{9D4DD37A-589F-436F-A9BD-F4886FC1833E}" type="datetimeFigureOut">
               <a:rPr lang="zh-TW" altLang="en-US" smtClean="0"/>
-              <a:t>2017/5/10</a:t>
+              <a:t>2017/7/13</a:t>
             </a:fld>
             <a:endParaRPr lang="zh-TW" altLang="en-US"/>
           </a:p>
@@ -3106,11 +3107,15 @@
             </a:r>
             <a:r>
               <a:rPr lang="zh-TW" altLang="en-US" sz="2800" dirty="0" smtClean="0"/>
-              <a:t>結 </a:t>
+              <a:t>結</a:t>
+            </a:r>
+            <a:r>
+              <a:rPr lang="zh-TW" altLang="en-US" sz="2800" dirty="0"/>
+              <a:t> </a:t>
             </a:r>
             <a:r>
               <a:rPr lang="en-US" altLang="zh-TW" sz="2800" dirty="0" smtClean="0"/>
-              <a:t>2</a:t>
+              <a:t>1</a:t>
             </a:r>
             <a:r>
               <a:rPr lang="zh-TW" altLang="en-US" sz="2800" dirty="0" smtClean="0"/>
@@ -3127,12 +3132,16 @@
             <a:graphicFrameLocks noGrp="1"/>
           </p:cNvGraphicFramePr>
           <p:nvPr>
-            <p:extLst/>
+            <p:extLst>
+              <p:ext uri="{D42A27DB-BD31-4B8C-83A1-F6EECF244321}">
+                <p14:modId xmlns:p14="http://schemas.microsoft.com/office/powerpoint/2010/main" val="2545402246"/>
+              </p:ext>
+            </p:extLst>
           </p:nvPr>
         </p:nvGraphicFramePr>
         <p:xfrm>
           <a:off x="1204957" y="1762245"/>
-          <a:ext cx="9947305" cy="2798022"/>
+          <a:ext cx="9947305" cy="3438102"/>
         </p:xfrm>
         <a:graphic>
           <a:graphicData uri="http://schemas.openxmlformats.org/drawingml/2006/table">
@@ -3141,14 +3150,533 @@
                 <a:tableStyleId>{5940675A-B579-460E-94D1-54222C63F5DA}</a:tableStyleId>
               </a:tblPr>
               <a:tblGrid>
-                <a:gridCol w="2076628"/>
-                <a:gridCol w="1092147"/>
-                <a:gridCol w="1549738"/>
-                <a:gridCol w="2614396"/>
-                <a:gridCol w="2614396"/>
+                <a:gridCol w="2178933"/>
+                <a:gridCol w="1288413"/>
+                <a:gridCol w="1288413"/>
+                <a:gridCol w="2595773"/>
+                <a:gridCol w="2595773"/>
               </a:tblGrid>
               <a:tr h="438891">
                 <a:tc rowSpan="2">
+                  <a:txBody>
+                    <a:bodyPr/>
+                    <a:lstStyle/>
+                    <a:p>
+                      <a:pPr algn="ctr"/>
+                      <a:r>
+                        <a:rPr lang="zh-TW" altLang="en-US" sz="1800" dirty="0" smtClean="0"/>
+                        <a:t>前結 </a:t>
+                      </a:r>
+                      <a:r>
+                        <a:rPr lang="en-US" altLang="zh-TW" sz="1800" dirty="0" smtClean="0"/>
+                        <a:t>Case</a:t>
+                      </a:r>
+                      <a:r>
+                        <a:rPr lang="zh-TW" altLang="en-US" sz="1800" dirty="0" smtClean="0"/>
+                        <a:t> </a:t>
+                      </a:r>
+                      <a:r>
+                        <a:rPr lang="en-US" altLang="zh-TW" sz="1800" dirty="0" smtClean="0"/>
+                        <a:t>1</a:t>
+                      </a:r>
+                      <a:br>
+                        <a:rPr lang="en-US" altLang="zh-TW" sz="1800" dirty="0" smtClean="0"/>
+                      </a:br>
+                      <a:r>
+                        <a:rPr lang="zh-TW" altLang="en-US" sz="1800" dirty="0" smtClean="0"/>
+                        <a:t>流程</a:t>
+                      </a:r>
+                      <a:endParaRPr lang="zh-TW" altLang="en-US" sz="1800" dirty="0"/>
+                    </a:p>
+                  </a:txBody>
+                  <a:tcPr/>
+                </a:tc>
+                <a:tc gridSpan="2">
+                  <a:txBody>
+                    <a:bodyPr/>
+                    <a:lstStyle/>
+                    <a:p>
+                      <a:pPr algn="ctr"/>
+                      <a:r>
+                        <a:rPr lang="en-US" altLang="zh-TW" sz="1800" dirty="0" smtClean="0"/>
+                        <a:t>Order </a:t>
+                      </a:r>
+                      <a:r>
+                        <a:rPr lang="zh-TW" altLang="en-US" sz="1800" dirty="0" smtClean="0"/>
+                        <a:t>狀態</a:t>
+                      </a:r>
+                      <a:endParaRPr lang="zh-TW" altLang="en-US" sz="1800" dirty="0"/>
+                    </a:p>
+                  </a:txBody>
+                  <a:tcPr/>
+                </a:tc>
+                <a:tc hMerge="1">
+                  <a:txBody>
+                    <a:bodyPr/>
+                    <a:lstStyle/>
+                    <a:p>
+                      <a:endParaRPr lang="zh-TW" altLang="en-US"/>
+                    </a:p>
+                  </a:txBody>
+                  <a:tcPr/>
+                </a:tc>
+                <a:tc rowSpan="2">
+                  <a:txBody>
+                    <a:bodyPr/>
+                    <a:lstStyle/>
+                    <a:p>
+                      <a:pPr algn="ctr"/>
+                      <a:r>
+                        <a:rPr lang="en-US" altLang="zh-TW" sz="1800" dirty="0" err="1" smtClean="0"/>
+                        <a:t>OneMeal</a:t>
+                      </a:r>
+                      <a:r>
+                        <a:rPr lang="zh-TW" altLang="en-US" sz="1800" dirty="0" smtClean="0"/>
+                        <a:t>顯示</a:t>
+                      </a:r>
+                      <a:endParaRPr lang="zh-TW" altLang="en-US" sz="1800" dirty="0"/>
+                    </a:p>
+                  </a:txBody>
+                  <a:tcPr/>
+                </a:tc>
+                <a:tc rowSpan="2">
+                  <a:txBody>
+                    <a:bodyPr/>
+                    <a:lstStyle/>
+                    <a:p>
+                      <a:pPr algn="ctr"/>
+                      <a:r>
+                        <a:rPr lang="en-US" altLang="zh-TW" sz="1800" dirty="0" err="1" smtClean="0"/>
+                        <a:t>jmeter</a:t>
+                      </a:r>
+                      <a:endParaRPr lang="zh-TW" altLang="en-US" sz="1800" dirty="0"/>
+                    </a:p>
+                  </a:txBody>
+                  <a:tcPr/>
+                </a:tc>
+              </a:tr>
+              <a:tr h="438891">
+                <a:tc vMerge="1">
+                  <a:txBody>
+                    <a:bodyPr/>
+                    <a:lstStyle/>
+                    <a:p>
+                      <a:pPr algn="ctr"/>
+                      <a:endParaRPr lang="zh-TW" altLang="en-US" sz="1800" dirty="0"/>
+                    </a:p>
+                  </a:txBody>
+                  <a:tcPr/>
+                </a:tc>
+                <a:tc>
+                  <a:txBody>
+                    <a:bodyPr/>
+                    <a:lstStyle/>
+                    <a:p>
+                      <a:pPr algn="ctr"/>
+                      <a:r>
+                        <a:rPr lang="zh-TW" altLang="en-US" sz="1800" dirty="0" smtClean="0"/>
+                        <a:t>狀態</a:t>
+                      </a:r>
+                      <a:endParaRPr lang="zh-TW" altLang="en-US" sz="1800" dirty="0"/>
+                    </a:p>
+                  </a:txBody>
+                  <a:tcPr/>
+                </a:tc>
+                <a:tc>
+                  <a:txBody>
+                    <a:bodyPr/>
+                    <a:lstStyle/>
+                    <a:p>
+                      <a:pPr algn="ctr"/>
+                      <a:r>
+                        <a:rPr lang="zh-TW" altLang="en-US" sz="1800" dirty="0" smtClean="0"/>
+                        <a:t>結帳</a:t>
+                      </a:r>
+                      <a:endParaRPr lang="zh-TW" altLang="en-US" sz="1800" dirty="0"/>
+                    </a:p>
+                  </a:txBody>
+                  <a:tcPr/>
+                </a:tc>
+                <a:tc vMerge="1">
+                  <a:txBody>
+                    <a:bodyPr/>
+                    <a:lstStyle/>
+                    <a:p>
+                      <a:pPr algn="ctr"/>
+                      <a:endParaRPr lang="zh-TW" altLang="en-US" sz="1800" dirty="0"/>
+                    </a:p>
+                  </a:txBody>
+                  <a:tcPr/>
+                </a:tc>
+                <a:tc vMerge="1">
+                  <a:txBody>
+                    <a:bodyPr/>
+                    <a:lstStyle/>
+                    <a:p>
+                      <a:endParaRPr lang="zh-TW" altLang="en-US"/>
+                    </a:p>
+                  </a:txBody>
+                  <a:tcPr/>
+                </a:tc>
+              </a:tr>
+              <a:tr h="438891">
+                <a:tc>
+                  <a:txBody>
+                    <a:bodyPr/>
+                    <a:lstStyle/>
+                    <a:p>
+                      <a:r>
+                        <a:rPr lang="en-US" altLang="zh-TW" dirty="0" smtClean="0"/>
+                        <a:t>1.</a:t>
+                      </a:r>
+                      <a:r>
+                        <a:rPr lang="zh-TW" altLang="en-US" dirty="0" smtClean="0"/>
+                        <a:t> </a:t>
+                      </a:r>
+                      <a:r>
+                        <a:rPr lang="en-US" altLang="zh-TW" dirty="0" err="1" smtClean="0"/>
+                        <a:t>OneMeal</a:t>
+                      </a:r>
+                      <a:r>
+                        <a:rPr lang="en-US" altLang="zh-TW" dirty="0" smtClean="0"/>
+                        <a:t> </a:t>
+                      </a:r>
+                      <a:r>
+                        <a:rPr lang="zh-TW" altLang="en-US" dirty="0" smtClean="0"/>
+                        <a:t>送出</a:t>
+                      </a:r>
+                      <a:endParaRPr lang="zh-TW" altLang="en-US" dirty="0"/>
+                    </a:p>
+                  </a:txBody>
+                  <a:tcPr/>
+                </a:tc>
+                <a:tc>
+                  <a:txBody>
+                    <a:bodyPr/>
+                    <a:lstStyle/>
+                    <a:p>
+                      <a:pPr algn="ctr"/>
+                      <a:r>
+                        <a:rPr lang="en-US" altLang="zh-TW" dirty="0" smtClean="0"/>
+                        <a:t>Pending</a:t>
+                      </a:r>
+                      <a:endParaRPr lang="zh-TW" altLang="en-US" dirty="0"/>
+                    </a:p>
+                  </a:txBody>
+                  <a:tcPr/>
+                </a:tc>
+                <a:tc>
+                  <a:txBody>
+                    <a:bodyPr/>
+                    <a:lstStyle/>
+                    <a:p>
+                      <a:pPr algn="ctr"/>
+                      <a:r>
+                        <a:rPr lang="en-US" altLang="zh-TW" dirty="0" smtClean="0"/>
+                        <a:t>false</a:t>
+                      </a:r>
+                      <a:endParaRPr lang="zh-TW" altLang="en-US" dirty="0"/>
+                    </a:p>
+                  </a:txBody>
+                  <a:tcPr/>
+                </a:tc>
+                <a:tc>
+                  <a:txBody>
+                    <a:bodyPr/>
+                    <a:lstStyle/>
+                    <a:p>
+                      <a:pPr algn="ctr"/>
+                      <a:r>
+                        <a:rPr lang="zh-TW" altLang="en-US" dirty="0" smtClean="0"/>
+                        <a:t>未結帳</a:t>
+                      </a:r>
+                      <a:endParaRPr lang="zh-TW" altLang="en-US" dirty="0"/>
+                    </a:p>
+                  </a:txBody>
+                  <a:tcPr/>
+                </a:tc>
+                <a:tc>
+                  <a:txBody>
+                    <a:bodyPr/>
+                    <a:lstStyle/>
+                    <a:p>
+                      <a:pPr algn="ctr"/>
+                      <a:r>
+                        <a:rPr lang="zh-TW" altLang="en-US" smtClean="0"/>
+                        <a:t>顧客取得我的點餐訂單列表</a:t>
+                      </a:r>
+                      <a:r>
+                        <a:rPr lang="en-US" altLang="zh-TW" smtClean="0"/>
+                        <a:t>-</a:t>
+                      </a:r>
+                      <a:r>
+                        <a:rPr lang="zh-TW" altLang="en-US" smtClean="0"/>
+                        <a:t>未結帳</a:t>
+                      </a:r>
+                      <a:endParaRPr lang="zh-TW" altLang="en-US" dirty="0"/>
+                    </a:p>
+                  </a:txBody>
+                  <a:tcPr/>
+                </a:tc>
+              </a:tr>
+              <a:tr h="438891">
+                <a:tc>
+                  <a:txBody>
+                    <a:bodyPr/>
+                    <a:lstStyle/>
+                    <a:p>
+                      <a:r>
+                        <a:rPr lang="en-US" altLang="zh-TW" dirty="0" smtClean="0"/>
+                        <a:t>2.</a:t>
+                      </a:r>
+                      <a:r>
+                        <a:rPr lang="zh-TW" altLang="en-US" dirty="0" smtClean="0"/>
+                        <a:t> </a:t>
+                      </a:r>
+                      <a:r>
+                        <a:rPr lang="en-US" altLang="zh-TW" dirty="0" err="1" smtClean="0"/>
+                        <a:t>OneChef</a:t>
+                      </a:r>
+                      <a:r>
+                        <a:rPr lang="zh-TW" altLang="en-US" dirty="0" smtClean="0"/>
+                        <a:t> 接受結帳</a:t>
+                      </a:r>
+                      <a:endParaRPr lang="zh-TW" altLang="en-US" dirty="0"/>
+                    </a:p>
+                  </a:txBody>
+                  <a:tcPr/>
+                </a:tc>
+                <a:tc>
+                  <a:txBody>
+                    <a:bodyPr/>
+                    <a:lstStyle/>
+                    <a:p>
+                      <a:pPr algn="ctr"/>
+                      <a:r>
+                        <a:rPr lang="en-US" altLang="zh-TW" dirty="0" smtClean="0"/>
+                        <a:t>Accepted</a:t>
+                      </a:r>
+                      <a:endParaRPr lang="zh-TW" altLang="en-US" dirty="0"/>
+                    </a:p>
+                  </a:txBody>
+                  <a:tcPr/>
+                </a:tc>
+                <a:tc>
+                  <a:txBody>
+                    <a:bodyPr/>
+                    <a:lstStyle/>
+                    <a:p>
+                      <a:pPr algn="ctr"/>
+                      <a:r>
+                        <a:rPr lang="en-US" altLang="zh-TW" dirty="0" smtClean="0"/>
+                        <a:t>true</a:t>
+                      </a:r>
+                      <a:endParaRPr lang="zh-TW" altLang="en-US" dirty="0"/>
+                    </a:p>
+                  </a:txBody>
+                  <a:tcPr/>
+                </a:tc>
+                <a:tc>
+                  <a:txBody>
+                    <a:bodyPr/>
+                    <a:lstStyle/>
+                    <a:p>
+                      <a:pPr algn="ctr"/>
+                      <a:r>
+                        <a:rPr lang="zh-TW" altLang="en-US" dirty="0" smtClean="0"/>
+                        <a:t>尚未取餐</a:t>
+                      </a:r>
+                      <a:endParaRPr lang="zh-TW" altLang="en-US" dirty="0"/>
+                    </a:p>
+                  </a:txBody>
+                  <a:tcPr/>
+                </a:tc>
+                <a:tc>
+                  <a:txBody>
+                    <a:bodyPr/>
+                    <a:lstStyle/>
+                    <a:p>
+                      <a:pPr algn="ctr"/>
+                      <a:r>
+                        <a:rPr lang="zh-TW" altLang="en-US" smtClean="0"/>
+                        <a:t>顧客取得我的點餐訂單列表</a:t>
+                      </a:r>
+                      <a:r>
+                        <a:rPr lang="en-US" altLang="zh-TW" smtClean="0"/>
+                        <a:t>-</a:t>
+                      </a:r>
+                      <a:r>
+                        <a:rPr lang="zh-TW" altLang="en-US" smtClean="0"/>
+                        <a:t>尚未取餐 </a:t>
+                      </a:r>
+                      <a:endParaRPr lang="zh-TW" altLang="en-US" dirty="0"/>
+                    </a:p>
+                  </a:txBody>
+                  <a:tcPr/>
+                </a:tc>
+              </a:tr>
+              <a:tr h="438891">
+                <a:tc>
+                  <a:txBody>
+                    <a:bodyPr/>
+                    <a:lstStyle/>
+                    <a:p>
+                      <a:r>
+                        <a:rPr lang="en-US" altLang="zh-TW" dirty="0" smtClean="0"/>
+                        <a:t>3.</a:t>
+                      </a:r>
+                      <a:r>
+                        <a:rPr lang="zh-TW" altLang="en-US" dirty="0" smtClean="0"/>
+                        <a:t> </a:t>
+                      </a:r>
+                      <a:r>
+                        <a:rPr lang="en-US" altLang="zh-TW" dirty="0" err="1" smtClean="0"/>
+                        <a:t>OneChef</a:t>
+                      </a:r>
+                      <a:r>
+                        <a:rPr lang="en-US" altLang="zh-TW" dirty="0" smtClean="0"/>
+                        <a:t> </a:t>
+                      </a:r>
+                      <a:r>
+                        <a:rPr lang="zh-TW" altLang="en-US" dirty="0" smtClean="0"/>
+                        <a:t>通知</a:t>
+                      </a:r>
+                      <a:endParaRPr lang="zh-TW" altLang="en-US" dirty="0"/>
+                    </a:p>
+                  </a:txBody>
+                  <a:tcPr/>
+                </a:tc>
+                <a:tc>
+                  <a:txBody>
+                    <a:bodyPr/>
+                    <a:lstStyle/>
+                    <a:p>
+                      <a:pPr algn="ctr"/>
+                      <a:r>
+                        <a:rPr lang="en-US" altLang="zh-TW" dirty="0" smtClean="0"/>
+                        <a:t>Deliver</a:t>
+                      </a:r>
+                      <a:endParaRPr lang="zh-TW" altLang="en-US" dirty="0"/>
+                    </a:p>
+                  </a:txBody>
+                  <a:tcPr/>
+                </a:tc>
+                <a:tc>
+                  <a:txBody>
+                    <a:bodyPr/>
+                    <a:lstStyle/>
+                    <a:p>
+                      <a:pPr algn="ctr"/>
+                      <a:r>
+                        <a:rPr lang="en-US" altLang="zh-TW" dirty="0" smtClean="0"/>
+                        <a:t>true</a:t>
+                      </a:r>
+                      <a:endParaRPr lang="zh-TW" altLang="en-US" dirty="0"/>
+                    </a:p>
+                  </a:txBody>
+                  <a:tcPr/>
+                </a:tc>
+                <a:tc>
+                  <a:txBody>
+                    <a:bodyPr/>
+                    <a:lstStyle/>
+                    <a:p>
+                      <a:pPr algn="ctr"/>
+                      <a:r>
+                        <a:rPr lang="zh-TW" altLang="en-US" dirty="0" smtClean="0"/>
+                        <a:t>前往取餐</a:t>
+                      </a:r>
+                      <a:endParaRPr lang="zh-TW" altLang="en-US" dirty="0"/>
+                    </a:p>
+                  </a:txBody>
+                  <a:tcPr/>
+                </a:tc>
+                <a:tc>
+                  <a:txBody>
+                    <a:bodyPr/>
+                    <a:lstStyle/>
+                    <a:p>
+                      <a:pPr algn="ctr"/>
+                      <a:r>
+                        <a:rPr lang="zh-TW" altLang="en-US" smtClean="0"/>
+                        <a:t>顧客取得我的點餐訂單列表</a:t>
+                      </a:r>
+                      <a:r>
+                        <a:rPr lang="en-US" altLang="zh-TW" smtClean="0"/>
+                        <a:t>-</a:t>
+                      </a:r>
+                      <a:r>
+                        <a:rPr lang="zh-TW" altLang="en-US" smtClean="0"/>
+                        <a:t>前往取餐</a:t>
+                      </a:r>
+                      <a:endParaRPr lang="zh-TW" altLang="en-US" dirty="0"/>
+                    </a:p>
+                  </a:txBody>
+                  <a:tcPr/>
+                </a:tc>
+              </a:tr>
+              <a:tr h="438891">
+                <a:tc>
+                  <a:txBody>
+                    <a:bodyPr/>
+                    <a:lstStyle/>
+                    <a:p>
+                      <a:r>
+                        <a:rPr lang="en-US" altLang="zh-TW" dirty="0" smtClean="0"/>
+                        <a:t>4.</a:t>
+                      </a:r>
+                      <a:r>
+                        <a:rPr lang="zh-TW" altLang="en-US" dirty="0" smtClean="0"/>
+                        <a:t> </a:t>
+                      </a:r>
+                      <a:r>
+                        <a:rPr lang="en-US" altLang="zh-TW" dirty="0" err="1" smtClean="0"/>
+                        <a:t>OneChef</a:t>
+                      </a:r>
+                      <a:r>
+                        <a:rPr lang="en-US" altLang="zh-TW" dirty="0" smtClean="0"/>
+                        <a:t> </a:t>
+                      </a:r>
+                      <a:r>
+                        <a:rPr lang="zh-TW" altLang="en-US" dirty="0" smtClean="0"/>
+                        <a:t>取餐完成</a:t>
+                      </a:r>
+                      <a:endParaRPr lang="zh-TW" altLang="en-US" dirty="0"/>
+                    </a:p>
+                  </a:txBody>
+                  <a:tcPr/>
+                </a:tc>
+                <a:tc>
+                  <a:txBody>
+                    <a:bodyPr/>
+                    <a:lstStyle/>
+                    <a:p>
+                      <a:pPr algn="ctr"/>
+                      <a:r>
+                        <a:rPr lang="en-US" altLang="zh-TW" dirty="0" smtClean="0"/>
+                        <a:t>Complete</a:t>
+                      </a:r>
+                      <a:endParaRPr lang="zh-TW" altLang="en-US" dirty="0"/>
+                    </a:p>
+                  </a:txBody>
+                  <a:tcPr/>
+                </a:tc>
+                <a:tc>
+                  <a:txBody>
+                    <a:bodyPr/>
+                    <a:lstStyle/>
+                    <a:p>
+                      <a:pPr algn="ctr"/>
+                      <a:r>
+                        <a:rPr lang="en-US" altLang="zh-TW" dirty="0" smtClean="0"/>
+                        <a:t>true</a:t>
+                      </a:r>
+                      <a:endParaRPr lang="zh-TW" altLang="en-US" dirty="0"/>
+                    </a:p>
+                  </a:txBody>
+                  <a:tcPr/>
+                </a:tc>
+                <a:tc>
                   <a:txBody>
                     <a:bodyPr/>
                     <a:lstStyle/>
@@ -3171,62 +3699,19 @@
                         <a:defRPr/>
                       </a:pPr>
                       <a:r>
-                        <a:rPr lang="zh-TW" altLang="en-US" sz="1800" dirty="0" smtClean="0"/>
-                        <a:t>前結 </a:t>
-                      </a:r>
-                      <a:r>
-                        <a:rPr lang="en-US" altLang="zh-TW" sz="1800" dirty="0" smtClean="0"/>
-                        <a:t>Case</a:t>
-                      </a:r>
-                      <a:r>
-                        <a:rPr lang="zh-TW" altLang="en-US" sz="1800" dirty="0" smtClean="0"/>
-                        <a:t> </a:t>
-                      </a:r>
-                      <a:r>
-                        <a:rPr lang="en-US" altLang="zh-TW" sz="1800" dirty="0" smtClean="0"/>
-                        <a:t>2</a:t>
-                      </a:r>
-                      <a:br>
-                        <a:rPr lang="en-US" altLang="zh-TW" sz="1800" dirty="0" smtClean="0"/>
-                      </a:br>
-                      <a:r>
-                        <a:rPr lang="zh-TW" altLang="en-US" sz="1800" dirty="0" smtClean="0"/>
-                        <a:t>流程</a:t>
-                      </a:r>
-                    </a:p>
-                  </a:txBody>
-                  <a:tcPr/>
-                </a:tc>
-                <a:tc gridSpan="2">
-                  <a:txBody>
-                    <a:bodyPr/>
-                    <a:lstStyle/>
-                    <a:p>
-                      <a:pPr algn="ctr"/>
-                      <a:r>
-                        <a:rPr lang="en-US" altLang="zh-TW" sz="1800" dirty="0" smtClean="0"/>
-                        <a:t>Order </a:t>
-                      </a:r>
-                      <a:r>
-                        <a:rPr lang="zh-TW" altLang="en-US" sz="1800" dirty="0" smtClean="0"/>
-                        <a:t>狀態</a:t>
-                      </a:r>
-                      <a:endParaRPr lang="zh-TW" altLang="en-US" sz="1800" dirty="0"/>
-                    </a:p>
-                  </a:txBody>
-                  <a:tcPr/>
-                </a:tc>
-                <a:tc hMerge="1">
-                  <a:txBody>
-                    <a:bodyPr/>
-                    <a:lstStyle/>
-                    <a:p>
-                      <a:endParaRPr lang="zh-TW" altLang="en-US"/>
-                    </a:p>
-                  </a:txBody>
-                  <a:tcPr/>
-                </a:tc>
-                <a:tc rowSpan="2">
+                        <a:rPr lang="zh-TW" altLang="en-US" dirty="0" smtClean="0">
+                          <a:solidFill>
+                            <a:schemeClr val="tx1"/>
+                          </a:solidFill>
+                        </a:rPr>
+                        <a:t>消失在列表</a:t>
+                      </a:r>
+                      <a:endParaRPr lang="zh-TW" altLang="en-US" dirty="0"/>
+                    </a:p>
+                  </a:txBody>
+                  <a:tcPr/>
+                </a:tc>
+                <a:tc>
                   <a:txBody>
                     <a:bodyPr/>
                     <a:lstStyle/>
@@ -3249,412 +3734,10 @@
                         <a:defRPr/>
                       </a:pPr>
                       <a:r>
-                        <a:rPr lang="en-US" altLang="zh-TW" sz="1800" dirty="0" err="1" smtClean="0"/>
-                        <a:t>OneMeal</a:t>
-                      </a:r>
-                      <a:r>
-                        <a:rPr lang="zh-TW" altLang="en-US" sz="1800" dirty="0" smtClean="0"/>
-                        <a:t>顯示</a:t>
-                      </a:r>
-                    </a:p>
-                  </a:txBody>
-                  <a:tcPr/>
-                </a:tc>
-                <a:tc rowSpan="2">
-                  <a:txBody>
-                    <a:bodyPr/>
-                    <a:lstStyle/>
-                    <a:p>
-                      <a:pPr marL="0" marR="0" indent="0" algn="ctr" defTabSz="914400" rtl="0" eaLnBrk="1" fontAlgn="auto" latinLnBrk="0" hangingPunct="1">
-                        <a:lnSpc>
-                          <a:spcPct val="100000"/>
-                        </a:lnSpc>
-                        <a:spcBef>
-                          <a:spcPts val="0"/>
-                        </a:spcBef>
-                        <a:spcAft>
-                          <a:spcPts val="0"/>
-                        </a:spcAft>
-                        <a:buClrTx/>
-                        <a:buSzTx/>
-                        <a:buFontTx/>
-                        <a:buNone/>
-                        <a:tabLst/>
-                        <a:defRPr/>
-                      </a:pPr>
-                      <a:r>
-                        <a:rPr lang="en-US" altLang="zh-TW" sz="1800" dirty="0" err="1" smtClean="0"/>
-                        <a:t>jmeter</a:t>
-                      </a:r>
-                      <a:endParaRPr lang="zh-TW" altLang="en-US" sz="1800" dirty="0" smtClean="0"/>
-                    </a:p>
-                  </a:txBody>
-                  <a:tcPr/>
-                </a:tc>
-              </a:tr>
-              <a:tr h="438891">
-                <a:tc vMerge="1">
-                  <a:txBody>
-                    <a:bodyPr/>
-                    <a:lstStyle/>
-                    <a:p>
-                      <a:pPr algn="ctr"/>
-                      <a:endParaRPr lang="zh-TW" altLang="en-US" sz="1800" dirty="0"/>
-                    </a:p>
-                  </a:txBody>
-                  <a:tcPr/>
-                </a:tc>
-                <a:tc>
-                  <a:txBody>
-                    <a:bodyPr/>
-                    <a:lstStyle/>
-                    <a:p>
-                      <a:pPr algn="ctr"/>
-                      <a:r>
-                        <a:rPr lang="zh-TW" altLang="en-US" sz="1800" dirty="0" smtClean="0"/>
-                        <a:t>狀態</a:t>
-                      </a:r>
-                      <a:endParaRPr lang="zh-TW" altLang="en-US" sz="1800" dirty="0"/>
-                    </a:p>
-                  </a:txBody>
-                  <a:tcPr/>
-                </a:tc>
-                <a:tc>
-                  <a:txBody>
-                    <a:bodyPr/>
-                    <a:lstStyle/>
-                    <a:p>
-                      <a:pPr algn="ctr"/>
-                      <a:r>
-                        <a:rPr lang="zh-TW" altLang="en-US" sz="1800" dirty="0" smtClean="0"/>
-                        <a:t>結帳</a:t>
-                      </a:r>
-                      <a:endParaRPr lang="zh-TW" altLang="en-US" sz="1800" dirty="0"/>
-                    </a:p>
-                  </a:txBody>
-                  <a:tcPr/>
-                </a:tc>
-                <a:tc vMerge="1">
-                  <a:txBody>
-                    <a:bodyPr/>
-                    <a:lstStyle/>
-                    <a:p>
-                      <a:pPr algn="ctr"/>
-                      <a:endParaRPr lang="zh-TW" altLang="en-US" sz="1800" dirty="0"/>
-                    </a:p>
-                  </a:txBody>
-                  <a:tcPr/>
-                </a:tc>
-                <a:tc vMerge="1">
-                  <a:txBody>
-                    <a:bodyPr/>
-                    <a:lstStyle/>
-                    <a:p>
-                      <a:endParaRPr lang="zh-TW" altLang="en-US"/>
-                    </a:p>
-                  </a:txBody>
-                  <a:tcPr/>
-                </a:tc>
-              </a:tr>
-              <a:tr h="438891">
-                <a:tc>
-                  <a:txBody>
-                    <a:bodyPr/>
-                    <a:lstStyle/>
-                    <a:p>
-                      <a:r>
-                        <a:rPr lang="en-US" altLang="zh-TW" dirty="0" smtClean="0"/>
-                        <a:t>1.</a:t>
-                      </a:r>
-                      <a:r>
                         <a:rPr lang="zh-TW" altLang="en-US" dirty="0" smtClean="0"/>
-                        <a:t> </a:t>
-                      </a:r>
-                      <a:r>
-                        <a:rPr lang="en-US" altLang="zh-TW" dirty="0" err="1" smtClean="0"/>
-                        <a:t>OneMeal</a:t>
-                      </a:r>
-                      <a:r>
-                        <a:rPr lang="en-US" altLang="zh-TW" dirty="0" smtClean="0"/>
-                        <a:t> </a:t>
-                      </a:r>
-                      <a:r>
-                        <a:rPr lang="zh-TW" altLang="en-US" dirty="0" smtClean="0"/>
-                        <a:t>送出</a:t>
+                        <a:t>顧客取得歷史紀錄訂單列表</a:t>
                       </a:r>
                       <a:endParaRPr lang="zh-TW" altLang="en-US" dirty="0"/>
-                    </a:p>
-                  </a:txBody>
-                  <a:tcPr/>
-                </a:tc>
-                <a:tc>
-                  <a:txBody>
-                    <a:bodyPr/>
-                    <a:lstStyle/>
-                    <a:p>
-                      <a:pPr algn="ctr"/>
-                      <a:r>
-                        <a:rPr lang="en-US" altLang="zh-TW" dirty="0" smtClean="0"/>
-                        <a:t>Pending</a:t>
-                      </a:r>
-                      <a:endParaRPr lang="zh-TW" altLang="en-US" dirty="0"/>
-                    </a:p>
-                  </a:txBody>
-                  <a:tcPr/>
-                </a:tc>
-                <a:tc>
-                  <a:txBody>
-                    <a:bodyPr/>
-                    <a:lstStyle/>
-                    <a:p>
-                      <a:pPr algn="ctr"/>
-                      <a:r>
-                        <a:rPr lang="en-US" altLang="zh-TW" dirty="0" smtClean="0"/>
-                        <a:t>false</a:t>
-                      </a:r>
-                      <a:endParaRPr lang="zh-TW" altLang="en-US" dirty="0"/>
-                    </a:p>
-                  </a:txBody>
-                  <a:tcPr/>
-                </a:tc>
-                <a:tc>
-                  <a:txBody>
-                    <a:bodyPr/>
-                    <a:lstStyle/>
-                    <a:p>
-                      <a:pPr algn="ctr"/>
-                      <a:r>
-                        <a:rPr lang="zh-TW" altLang="en-US" dirty="0" smtClean="0"/>
-                        <a:t>未結帳</a:t>
-                      </a:r>
-                      <a:endParaRPr lang="zh-TW" altLang="en-US" dirty="0"/>
-                    </a:p>
-                  </a:txBody>
-                  <a:tcPr/>
-                </a:tc>
-                <a:tc>
-                  <a:txBody>
-                    <a:bodyPr/>
-                    <a:lstStyle/>
-                    <a:p>
-                      <a:pPr algn="ctr"/>
-                      <a:r>
-                        <a:rPr lang="zh-TW" altLang="en-US" dirty="0" smtClean="0"/>
-                        <a:t>顧客取得我的點餐訂單列表</a:t>
-                      </a:r>
-                      <a:r>
-                        <a:rPr lang="en-US" altLang="zh-TW" dirty="0" smtClean="0"/>
-                        <a:t>-</a:t>
-                      </a:r>
-                      <a:r>
-                        <a:rPr lang="zh-TW" altLang="en-US" dirty="0" smtClean="0"/>
-                        <a:t>未結帳</a:t>
-                      </a:r>
-                      <a:endParaRPr lang="zh-TW" altLang="en-US" dirty="0"/>
-                    </a:p>
-                  </a:txBody>
-                  <a:tcPr/>
-                </a:tc>
-              </a:tr>
-              <a:tr h="438891">
-                <a:tc>
-                  <a:txBody>
-                    <a:bodyPr/>
-                    <a:lstStyle/>
-                    <a:p>
-                      <a:r>
-                        <a:rPr lang="en-US" altLang="zh-TW" dirty="0" smtClean="0"/>
-                        <a:t>2.</a:t>
-                      </a:r>
-                      <a:r>
-                        <a:rPr lang="zh-TW" altLang="en-US" dirty="0" smtClean="0"/>
-                        <a:t> </a:t>
-                      </a:r>
-                      <a:r>
-                        <a:rPr lang="en-US" altLang="zh-TW" dirty="0" err="1" smtClean="0"/>
-                        <a:t>OneChef</a:t>
-                      </a:r>
-                      <a:r>
-                        <a:rPr lang="zh-TW" altLang="en-US" dirty="0" smtClean="0"/>
-                        <a:t> 接受結帳</a:t>
-                      </a:r>
-                      <a:endParaRPr lang="zh-TW" altLang="en-US" dirty="0"/>
-                    </a:p>
-                  </a:txBody>
-                  <a:tcPr/>
-                </a:tc>
-                <a:tc>
-                  <a:txBody>
-                    <a:bodyPr/>
-                    <a:lstStyle/>
-                    <a:p>
-                      <a:pPr algn="ctr"/>
-                      <a:r>
-                        <a:rPr lang="en-US" altLang="zh-TW" dirty="0" smtClean="0"/>
-                        <a:t>Accepted</a:t>
-                      </a:r>
-                      <a:endParaRPr lang="zh-TW" altLang="en-US" dirty="0"/>
-                    </a:p>
-                  </a:txBody>
-                  <a:tcPr/>
-                </a:tc>
-                <a:tc>
-                  <a:txBody>
-                    <a:bodyPr/>
-                    <a:lstStyle/>
-                    <a:p>
-                      <a:pPr algn="ctr"/>
-                      <a:r>
-                        <a:rPr lang="en-US" altLang="zh-TW" dirty="0" smtClean="0"/>
-                        <a:t>true</a:t>
-                      </a:r>
-                      <a:endParaRPr lang="zh-TW" altLang="en-US" dirty="0"/>
-                    </a:p>
-                  </a:txBody>
-                  <a:tcPr/>
-                </a:tc>
-                <a:tc>
-                  <a:txBody>
-                    <a:bodyPr/>
-                    <a:lstStyle/>
-                    <a:p>
-                      <a:pPr algn="ctr"/>
-                      <a:r>
-                        <a:rPr lang="zh-TW" altLang="en-US" dirty="0" smtClean="0"/>
-                        <a:t>尚未取餐</a:t>
-                      </a:r>
-                      <a:endParaRPr lang="zh-TW" altLang="en-US" dirty="0"/>
-                    </a:p>
-                  </a:txBody>
-                  <a:tcPr/>
-                </a:tc>
-                <a:tc>
-                  <a:txBody>
-                    <a:bodyPr/>
-                    <a:lstStyle/>
-                    <a:p>
-                      <a:pPr algn="ctr"/>
-                      <a:r>
-                        <a:rPr lang="zh-TW" altLang="en-US" dirty="0" smtClean="0"/>
-                        <a:t>顧客取得我的點餐訂單列表</a:t>
-                      </a:r>
-                      <a:r>
-                        <a:rPr lang="en-US" altLang="zh-TW" dirty="0" smtClean="0"/>
-                        <a:t>-</a:t>
-                      </a:r>
-                      <a:r>
-                        <a:rPr lang="zh-TW" altLang="en-US" dirty="0" smtClean="0"/>
-                        <a:t>尚未取餐 </a:t>
-                      </a:r>
-                      <a:endParaRPr lang="zh-TW" altLang="en-US" dirty="0"/>
-                    </a:p>
-                  </a:txBody>
-                  <a:tcPr/>
-                </a:tc>
-              </a:tr>
-              <a:tr h="438891">
-                <a:tc>
-                  <a:txBody>
-                    <a:bodyPr/>
-                    <a:lstStyle/>
-                    <a:p>
-                      <a:r>
-                        <a:rPr lang="en-US" altLang="zh-TW" dirty="0" smtClean="0"/>
-                        <a:t>3.</a:t>
-                      </a:r>
-                      <a:r>
-                        <a:rPr lang="zh-TW" altLang="en-US" dirty="0" smtClean="0"/>
-                        <a:t> </a:t>
-                      </a:r>
-                      <a:r>
-                        <a:rPr lang="en-US" altLang="zh-TW" dirty="0" err="1" smtClean="0"/>
-                        <a:t>OneChef</a:t>
-                      </a:r>
-                      <a:r>
-                        <a:rPr lang="en-US" altLang="zh-TW" dirty="0" smtClean="0"/>
-                        <a:t> </a:t>
-                      </a:r>
-                      <a:r>
-                        <a:rPr lang="zh-TW" altLang="en-US" dirty="0" smtClean="0"/>
-                        <a:t>取餐完成</a:t>
-                      </a:r>
-                      <a:endParaRPr lang="zh-TW" altLang="en-US" dirty="0"/>
-                    </a:p>
-                  </a:txBody>
-                  <a:tcPr/>
-                </a:tc>
-                <a:tc>
-                  <a:txBody>
-                    <a:bodyPr/>
-                    <a:lstStyle/>
-                    <a:p>
-                      <a:pPr algn="ctr"/>
-                      <a:r>
-                        <a:rPr lang="en-US" altLang="zh-TW" dirty="0" smtClean="0"/>
-                        <a:t>Complete</a:t>
-                      </a:r>
-                      <a:endParaRPr lang="zh-TW" altLang="en-US" dirty="0"/>
-                    </a:p>
-                  </a:txBody>
-                  <a:tcPr/>
-                </a:tc>
-                <a:tc>
-                  <a:txBody>
-                    <a:bodyPr/>
-                    <a:lstStyle/>
-                    <a:p>
-                      <a:pPr algn="ctr"/>
-                      <a:r>
-                        <a:rPr lang="en-US" altLang="zh-TW" dirty="0" smtClean="0"/>
-                        <a:t>true</a:t>
-                      </a:r>
-                      <a:endParaRPr lang="zh-TW" altLang="en-US" dirty="0"/>
-                    </a:p>
-                  </a:txBody>
-                  <a:tcPr/>
-                </a:tc>
-                <a:tc>
-                  <a:txBody>
-                    <a:bodyPr/>
-                    <a:lstStyle/>
-                    <a:p>
-                      <a:pPr algn="ctr"/>
-                      <a:r>
-                        <a:rPr lang="zh-TW" altLang="en-US" dirty="0" smtClean="0">
-                          <a:solidFill>
-                            <a:schemeClr val="tx1"/>
-                          </a:solidFill>
-                        </a:rPr>
-                        <a:t>消失在列表</a:t>
-                      </a:r>
-                      <a:endParaRPr lang="zh-TW" altLang="en-US" dirty="0">
-                        <a:solidFill>
-                          <a:srgbClr val="FF0000"/>
-                        </a:solidFill>
-                      </a:endParaRPr>
-                    </a:p>
-                  </a:txBody>
-                  <a:tcPr/>
-                </a:tc>
-                <a:tc>
-                  <a:txBody>
-                    <a:bodyPr/>
-                    <a:lstStyle/>
-                    <a:p>
-                      <a:pPr algn="ctr"/>
-                      <a:r>
-                        <a:rPr lang="zh-TW" altLang="en-US" dirty="0" smtClean="0">
-                          <a:solidFill>
-                            <a:schemeClr val="tx1"/>
-                          </a:solidFill>
-                        </a:rPr>
-                        <a:t>顧客取得歷史紀錄訂單列表</a:t>
-                      </a:r>
-                      <a:endParaRPr lang="zh-TW" altLang="en-US" dirty="0">
-                        <a:solidFill>
-                          <a:schemeClr val="tx1"/>
-                        </a:solidFill>
-                      </a:endParaRPr>
                     </a:p>
                   </a:txBody>
                   <a:tcPr/>
@@ -3667,7 +3750,7 @@
     </p:spTree>
     <p:extLst>
       <p:ext uri="{BB962C8B-B14F-4D97-AF65-F5344CB8AC3E}">
-        <p14:creationId xmlns:p14="http://schemas.microsoft.com/office/powerpoint/2010/main" val="2962925328"/>
+        <p14:creationId xmlns:p14="http://schemas.microsoft.com/office/powerpoint/2010/main" val="604119071"/>
       </p:ext>
     </p:extLst>
   </p:cSld>
@@ -3730,12 +3813,16 @@
               <a:t>– </a:t>
             </a:r>
             <a:r>
+              <a:rPr lang="zh-TW" altLang="en-US" sz="2800" dirty="0"/>
+              <a:t>前</a:t>
+            </a:r>
+            <a:r>
               <a:rPr lang="zh-TW" altLang="en-US" sz="2800" dirty="0" smtClean="0"/>
-              <a:t>後結 </a:t>
+              <a:t>結 </a:t>
             </a:r>
             <a:r>
               <a:rPr lang="en-US" altLang="zh-TW" sz="2800" dirty="0" smtClean="0"/>
-              <a:t>1</a:t>
+              <a:t>2</a:t>
             </a:r>
             <a:r>
               <a:rPr lang="zh-TW" altLang="en-US" sz="2800" dirty="0" smtClean="0"/>
@@ -3752,16 +3839,12 @@
             <a:graphicFrameLocks noGrp="1"/>
           </p:cNvGraphicFramePr>
           <p:nvPr>
-            <p:extLst>
-              <p:ext uri="{D42A27DB-BD31-4B8C-83A1-F6EECF244321}">
-                <p14:modId xmlns:p14="http://schemas.microsoft.com/office/powerpoint/2010/main" val="1307239821"/>
-              </p:ext>
-            </p:extLst>
+            <p:extLst/>
           </p:nvPr>
         </p:nvGraphicFramePr>
         <p:xfrm>
           <a:off x="1204957" y="1762245"/>
-          <a:ext cx="9947304" cy="4352502"/>
+          <a:ext cx="9947305" cy="2798022"/>
         </p:xfrm>
         <a:graphic>
           <a:graphicData uri="http://schemas.openxmlformats.org/drawingml/2006/table">
@@ -3770,11 +3853,11 @@
                 <a:tableStyleId>{5940675A-B579-460E-94D1-54222C63F5DA}</a:tableStyleId>
               </a:tblPr>
               <a:tblGrid>
-                <a:gridCol w="1828595"/>
-                <a:gridCol w="1294469"/>
-                <a:gridCol w="1558390"/>
-                <a:gridCol w="2632925"/>
-                <a:gridCol w="2632925"/>
+                <a:gridCol w="2076628"/>
+                <a:gridCol w="1092147"/>
+                <a:gridCol w="1549738"/>
+                <a:gridCol w="2614396"/>
+                <a:gridCol w="2614396"/>
               </a:tblGrid>
               <a:tr h="438891">
                 <a:tc rowSpan="2">
@@ -3801,7 +3884,7 @@
                       </a:pPr>
                       <a:r>
                         <a:rPr lang="zh-TW" altLang="en-US" sz="1800" dirty="0" smtClean="0"/>
-                        <a:t>後結 </a:t>
+                        <a:t>前結 </a:t>
                       </a:r>
                       <a:r>
                         <a:rPr lang="en-US" altLang="zh-TW" sz="1800" dirty="0" smtClean="0"/>
@@ -3813,7 +3896,7 @@
                       </a:r>
                       <a:r>
                         <a:rPr lang="en-US" altLang="zh-TW" sz="1800" dirty="0" smtClean="0"/>
-                        <a:t>1</a:t>
+                        <a:t>2</a:t>
                       </a:r>
                       <a:br>
                         <a:rPr lang="en-US" altLang="zh-TW" sz="1800" dirty="0" smtClean="0"/>
@@ -4105,7 +4188,7 @@
                       </a:r>
                       <a:r>
                         <a:rPr lang="zh-TW" altLang="en-US" dirty="0" smtClean="0"/>
-                        <a:t> 接受</a:t>
+                        <a:t> 接受結帳</a:t>
                       </a:r>
                       <a:endParaRPr lang="zh-TW" altLang="en-US" dirty="0"/>
                     </a:p>
@@ -4135,7 +4218,7 @@
                       <a:pPr algn="ctr"/>
                       <a:r>
                         <a:rPr lang="en-US" altLang="zh-TW" dirty="0" smtClean="0"/>
-                        <a:t>false</a:t>
+                        <a:t>true</a:t>
                       </a:r>
                       <a:endParaRPr lang="zh-TW" altLang="en-US" dirty="0"/>
                     </a:p>
@@ -4205,106 +4288,6 @@
                       </a:r>
                       <a:r>
                         <a:rPr lang="zh-TW" altLang="en-US" dirty="0" smtClean="0"/>
-                        <a:t>通知</a:t>
-                      </a:r>
-                      <a:endParaRPr lang="zh-TW" altLang="en-US" dirty="0"/>
-                    </a:p>
-                  </a:txBody>
-                  <a:tcPr/>
-                </a:tc>
-                <a:tc>
-                  <a:txBody>
-                    <a:bodyPr/>
-                    <a:lstStyle/>
-                    <a:p>
-                      <a:pPr algn="ctr"/>
-                      <a:r>
-                        <a:rPr lang="en-US" altLang="zh-TW" dirty="0" smtClean="0"/>
-                        <a:t>Deliver</a:t>
-                      </a:r>
-                      <a:endParaRPr lang="zh-TW" altLang="en-US" dirty="0"/>
-                    </a:p>
-                  </a:txBody>
-                  <a:tcPr/>
-                </a:tc>
-                <a:tc>
-                  <a:txBody>
-                    <a:bodyPr/>
-                    <a:lstStyle/>
-                    <a:p>
-                      <a:pPr algn="ctr"/>
-                      <a:r>
-                        <a:rPr lang="en-US" altLang="zh-TW" dirty="0" smtClean="0"/>
-                        <a:t>false</a:t>
-                      </a:r>
-                      <a:endParaRPr lang="zh-TW" altLang="en-US" dirty="0"/>
-                    </a:p>
-                  </a:txBody>
-                  <a:tcPr/>
-                </a:tc>
-                <a:tc>
-                  <a:txBody>
-                    <a:bodyPr/>
-                    <a:lstStyle/>
-                    <a:p>
-                      <a:pPr algn="ctr"/>
-                      <a:r>
-                        <a:rPr lang="zh-TW" altLang="en-US" strike="noStrike" dirty="0" smtClean="0"/>
-                        <a:t>前往取餐</a:t>
-                      </a:r>
-                      <a:endParaRPr lang="zh-TW" altLang="en-US" strike="noStrike" dirty="0"/>
-                    </a:p>
-                  </a:txBody>
-                  <a:tcPr/>
-                </a:tc>
-                <a:tc>
-                  <a:txBody>
-                    <a:bodyPr/>
-                    <a:lstStyle/>
-                    <a:p>
-                      <a:pPr algn="ctr"/>
-                      <a:r>
-                        <a:rPr lang="zh-TW" altLang="en-US" dirty="0" smtClean="0"/>
-                        <a:t>顧客取得我的點餐訂單列表</a:t>
-                      </a:r>
-                      <a:r>
-                        <a:rPr lang="en-US" altLang="zh-TW" dirty="0" smtClean="0"/>
-                        <a:t>-</a:t>
-                      </a:r>
-                      <a:r>
-                        <a:rPr lang="zh-TW" altLang="en-US" dirty="0" smtClean="0"/>
-                        <a:t>前往取餐</a:t>
-                      </a:r>
-                      <a:endParaRPr lang="zh-TW" altLang="en-US" dirty="0"/>
-                    </a:p>
-                  </a:txBody>
-                  <a:tcPr/>
-                </a:tc>
-              </a:tr>
-              <a:tr h="438891">
-                <a:tc>
-                  <a:txBody>
-                    <a:bodyPr/>
-                    <a:lstStyle/>
-                    <a:p>
-                      <a:r>
-                        <a:rPr lang="en-US" altLang="zh-TW" dirty="0" smtClean="0"/>
-                        <a:t>4.</a:t>
-                      </a:r>
-                      <a:r>
-                        <a:rPr lang="zh-TW" altLang="en-US" dirty="0" smtClean="0"/>
-                        <a:t> </a:t>
-                      </a:r>
-                      <a:r>
-                        <a:rPr lang="en-US" altLang="zh-TW" dirty="0" err="1" smtClean="0"/>
-                        <a:t>OneChef</a:t>
-                      </a:r>
-                      <a:r>
-                        <a:rPr lang="en-US" altLang="zh-TW" dirty="0" smtClean="0"/>
-                        <a:t> </a:t>
-                      </a:r>
-                      <a:r>
-                        <a:rPr lang="zh-TW" altLang="en-US" dirty="0" smtClean="0"/>
                         <a:t>取餐完成</a:t>
                       </a:r>
                       <a:endParaRPr lang="zh-TW" altLang="en-US" dirty="0"/>
@@ -4323,157 +4306,6 @@
                         <a:t>Complete</a:t>
                       </a:r>
                       <a:endParaRPr lang="zh-TW" altLang="en-US" dirty="0"/>
-                    </a:p>
-                  </a:txBody>
-                  <a:tcPr/>
-                </a:tc>
-                <a:tc>
-                  <a:txBody>
-                    <a:bodyPr/>
-                    <a:lstStyle/>
-                    <a:p>
-                      <a:pPr algn="ctr"/>
-                      <a:r>
-                        <a:rPr lang="en-US" altLang="zh-TW" dirty="0" smtClean="0"/>
-                        <a:t>false</a:t>
-                      </a:r>
-                      <a:endParaRPr lang="zh-TW" altLang="en-US" dirty="0"/>
-                    </a:p>
-                  </a:txBody>
-                  <a:tcPr/>
-                </a:tc>
-                <a:tc>
-                  <a:txBody>
-                    <a:bodyPr/>
-                    <a:lstStyle/>
-                    <a:p>
-                      <a:pPr algn="ctr"/>
-                      <a:r>
-                        <a:rPr lang="zh-TW" altLang="en-US" dirty="0" smtClean="0">
-                          <a:solidFill>
-                            <a:srgbClr val="FF0000"/>
-                          </a:solidFill>
-                        </a:rPr>
-                        <a:t>未結帳</a:t>
-                      </a:r>
-                      <a:endParaRPr lang="zh-TW" altLang="en-US" dirty="0">
-                        <a:solidFill>
-                          <a:srgbClr val="FF0000"/>
-                        </a:solidFill>
-                      </a:endParaRPr>
-                    </a:p>
-                  </a:txBody>
-                  <a:tcPr/>
-                </a:tc>
-                <a:tc>
-                  <a:txBody>
-                    <a:bodyPr/>
-                    <a:lstStyle/>
-                    <a:p>
-                      <a:pPr algn="ctr"/>
-                      <a:r>
-                        <a:rPr lang="zh-TW" altLang="en-US" dirty="0" smtClean="0">
-                          <a:solidFill>
-                            <a:schemeClr val="tx1"/>
-                          </a:solidFill>
-                        </a:rPr>
-                        <a:t>顧客取得我的點餐訂單列表</a:t>
-                      </a:r>
-                      <a:r>
-                        <a:rPr lang="en-US" altLang="zh-TW" dirty="0" smtClean="0">
-                          <a:solidFill>
-                            <a:schemeClr val="tx1"/>
-                          </a:solidFill>
-                        </a:rPr>
-                        <a:t>-</a:t>
-                      </a:r>
-                      <a:r>
-                        <a:rPr lang="zh-TW" altLang="en-US" dirty="0" smtClean="0">
-                          <a:solidFill>
-                            <a:schemeClr val="tx1"/>
-                          </a:solidFill>
-                        </a:rPr>
-                        <a:t>取餐完成，尚未結帳</a:t>
-                      </a:r>
-                      <a:endParaRPr lang="zh-TW" altLang="en-US" dirty="0">
-                        <a:solidFill>
-                          <a:schemeClr val="tx1"/>
-                        </a:solidFill>
-                      </a:endParaRPr>
-                    </a:p>
-                  </a:txBody>
-                  <a:tcPr/>
-                </a:tc>
-              </a:tr>
-              <a:tr h="438891">
-                <a:tc>
-                  <a:txBody>
-                    <a:bodyPr/>
-                    <a:lstStyle/>
-                    <a:p>
-                      <a:r>
-                        <a:rPr lang="en-US" altLang="zh-TW" dirty="0" smtClean="0"/>
-                        <a:t>5.</a:t>
-                      </a:r>
-                      <a:r>
-                        <a:rPr lang="zh-TW" altLang="en-US" dirty="0" smtClean="0"/>
-                        <a:t> </a:t>
-                      </a:r>
-                      <a:r>
-                        <a:rPr lang="en-US" altLang="zh-TW" dirty="0" err="1" smtClean="0"/>
-                        <a:t>OneChef</a:t>
-                      </a:r>
-                      <a:r>
-                        <a:rPr lang="zh-TW" altLang="en-US" dirty="0" smtClean="0"/>
-                        <a:t> 結帳</a:t>
-                      </a:r>
-                      <a:endParaRPr lang="zh-TW" altLang="en-US" dirty="0"/>
-                    </a:p>
-                  </a:txBody>
-                  <a:tcPr/>
-                </a:tc>
-                <a:tc>
-                  <a:txBody>
-                    <a:bodyPr/>
-                    <a:lstStyle/>
-                    <a:p>
-                      <a:pPr algn="ctr"/>
-                      <a:r>
-                        <a:rPr lang="zh-TW" altLang="en-US" strike="noStrike" dirty="0" smtClean="0">
-                          <a:solidFill>
-                            <a:srgbClr val="FF0000"/>
-                          </a:solidFill>
-                        </a:rPr>
-                        <a:t>接續</a:t>
-                      </a:r>
-                      <a:r>
-                        <a:rPr lang="en-US" altLang="zh-TW" strike="noStrike" dirty="0" smtClean="0">
-                          <a:solidFill>
-                            <a:srgbClr val="FF0000"/>
-                          </a:solidFill>
-                        </a:rPr>
-                        <a:t/>
-                      </a:r>
-                      <a:br>
-                        <a:rPr lang="en-US" altLang="zh-TW" strike="noStrike" dirty="0" smtClean="0">
-                          <a:solidFill>
-                            <a:srgbClr val="FF0000"/>
-                          </a:solidFill>
-                        </a:rPr>
-                      </a:br>
-                      <a:r>
-                        <a:rPr lang="en-US" altLang="zh-TW" strike="noStrike" dirty="0" smtClean="0">
-                          <a:solidFill>
-                            <a:srgbClr val="FF0000"/>
-                          </a:solidFill>
-                        </a:rPr>
-                        <a:t>complete</a:t>
-                      </a:r>
-                      <a:endParaRPr lang="zh-TW" altLang="en-US" strike="noStrike" dirty="0">
-                        <a:solidFill>
-                          <a:srgbClr val="FF0000"/>
-                        </a:solidFill>
-                      </a:endParaRPr>
                     </a:p>
                   </a:txBody>
                   <a:tcPr/>
@@ -4522,9 +4354,17 @@
                     <a:lstStyle/>
                     <a:p>
                       <a:pPr algn="ctr"/>
+                      <a:r>
+                        <a:rPr lang="zh-TW" altLang="en-US" dirty="0" smtClean="0">
+                          <a:solidFill>
+                            <a:schemeClr val="tx1"/>
+                          </a:solidFill>
+                        </a:rPr>
+                        <a:t>顧客取得歷史紀錄訂單列表</a:t>
+                      </a:r>
                       <a:endParaRPr lang="zh-TW" altLang="en-US" dirty="0">
                         <a:solidFill>
-                          <a:srgbClr val="FF0000"/>
+                          <a:schemeClr val="tx1"/>
                         </a:solidFill>
                       </a:endParaRPr>
                     </a:p>
@@ -4539,7 +4379,7 @@
     </p:spTree>
     <p:extLst>
       <p:ext uri="{BB962C8B-B14F-4D97-AF65-F5344CB8AC3E}">
-        <p14:creationId xmlns:p14="http://schemas.microsoft.com/office/powerpoint/2010/main" val="3517500608"/>
+        <p14:creationId xmlns:p14="http://schemas.microsoft.com/office/powerpoint/2010/main" val="2962925328"/>
       </p:ext>
     </p:extLst>
   </p:cSld>
@@ -4607,6 +4447,878 @@
             </a:r>
             <a:r>
               <a:rPr lang="en-US" altLang="zh-TW" sz="2800" dirty="0" smtClean="0"/>
+              <a:t>1</a:t>
+            </a:r>
+            <a:r>
+              <a:rPr lang="zh-TW" altLang="en-US" sz="2800" dirty="0" smtClean="0"/>
+              <a:t> </a:t>
+            </a:r>
+            <a:endParaRPr lang="zh-TW" altLang="en-US" sz="2800" dirty="0"/>
+          </a:p>
+        </p:txBody>
+      </p:sp>
+      <p:graphicFrame>
+        <p:nvGraphicFramePr>
+          <p:cNvPr id="4" name="表格 3"/>
+          <p:cNvGraphicFramePr>
+            <a:graphicFrameLocks noGrp="1"/>
+          </p:cNvGraphicFramePr>
+          <p:nvPr>
+            <p:extLst>
+              <p:ext uri="{D42A27DB-BD31-4B8C-83A1-F6EECF244321}">
+                <p14:modId xmlns:p14="http://schemas.microsoft.com/office/powerpoint/2010/main" val="1307239821"/>
+              </p:ext>
+            </p:extLst>
+          </p:nvPr>
+        </p:nvGraphicFramePr>
+        <p:xfrm>
+          <a:off x="1204957" y="1762245"/>
+          <a:ext cx="9947304" cy="4352502"/>
+        </p:xfrm>
+        <a:graphic>
+          <a:graphicData uri="http://schemas.openxmlformats.org/drawingml/2006/table">
+            <a:tbl>
+              <a:tblPr firstRow="1" bandRow="1">
+                <a:tableStyleId>{5940675A-B579-460E-94D1-54222C63F5DA}</a:tableStyleId>
+              </a:tblPr>
+              <a:tblGrid>
+                <a:gridCol w="1828595"/>
+                <a:gridCol w="1294469"/>
+                <a:gridCol w="1558390"/>
+                <a:gridCol w="2632925"/>
+                <a:gridCol w="2632925"/>
+              </a:tblGrid>
+              <a:tr h="438891">
+                <a:tc rowSpan="2">
+                  <a:txBody>
+                    <a:bodyPr/>
+                    <a:lstStyle/>
+                    <a:p>
+                      <a:pPr marL="0" marR="0" indent="0" algn="ctr" defTabSz="914400" rtl="0" eaLnBrk="1" fontAlgn="auto" latinLnBrk="0" hangingPunct="1">
+                        <a:lnSpc>
+                          <a:spcPct val="100000"/>
+                        </a:lnSpc>
+                        <a:spcBef>
+                          <a:spcPts val="0"/>
+                        </a:spcBef>
+                        <a:spcAft>
+                          <a:spcPts val="0"/>
+                        </a:spcAft>
+                        <a:buClrTx/>
+                        <a:buSzTx/>
+                        <a:buFontTx/>
+                        <a:buNone/>
+                        <a:tabLst/>
+                        <a:defRPr/>
+                      </a:pPr>
+                      <a:r>
+                        <a:rPr lang="zh-TW" altLang="en-US" sz="1800" dirty="0" smtClean="0"/>
+                        <a:t>後結 </a:t>
+                      </a:r>
+                      <a:r>
+                        <a:rPr lang="en-US" altLang="zh-TW" sz="1800" dirty="0" smtClean="0"/>
+                        <a:t>Case</a:t>
+                      </a:r>
+                      <a:r>
+                        <a:rPr lang="zh-TW" altLang="en-US" sz="1800" dirty="0" smtClean="0"/>
+                        <a:t> </a:t>
+                      </a:r>
+                      <a:r>
+                        <a:rPr lang="en-US" altLang="zh-TW" sz="1800" dirty="0" smtClean="0"/>
+                        <a:t>1</a:t>
+                      </a:r>
+                      <a:br>
+                        <a:rPr lang="en-US" altLang="zh-TW" sz="1800" dirty="0" smtClean="0"/>
+                      </a:br>
+                      <a:r>
+                        <a:rPr lang="zh-TW" altLang="en-US" sz="1800" dirty="0" smtClean="0"/>
+                        <a:t>流程</a:t>
+                      </a:r>
+                    </a:p>
+                  </a:txBody>
+                  <a:tcPr/>
+                </a:tc>
+                <a:tc gridSpan="2">
+                  <a:txBody>
+                    <a:bodyPr/>
+                    <a:lstStyle/>
+                    <a:p>
+                      <a:pPr algn="ctr"/>
+                      <a:r>
+                        <a:rPr lang="en-US" altLang="zh-TW" sz="1800" dirty="0" smtClean="0"/>
+                        <a:t>Order </a:t>
+                      </a:r>
+                      <a:r>
+                        <a:rPr lang="zh-TW" altLang="en-US" sz="1800" dirty="0" smtClean="0"/>
+                        <a:t>狀態</a:t>
+                      </a:r>
+                      <a:endParaRPr lang="zh-TW" altLang="en-US" sz="1800" dirty="0"/>
+                    </a:p>
+                  </a:txBody>
+                  <a:tcPr/>
+                </a:tc>
+                <a:tc hMerge="1">
+                  <a:txBody>
+                    <a:bodyPr/>
+                    <a:lstStyle/>
+                    <a:p>
+                      <a:endParaRPr lang="zh-TW" altLang="en-US"/>
+                    </a:p>
+                  </a:txBody>
+                  <a:tcPr/>
+                </a:tc>
+                <a:tc rowSpan="2">
+                  <a:txBody>
+                    <a:bodyPr/>
+                    <a:lstStyle/>
+                    <a:p>
+                      <a:pPr marL="0" marR="0" indent="0" algn="ctr" defTabSz="914400" rtl="0" eaLnBrk="1" fontAlgn="auto" latinLnBrk="0" hangingPunct="1">
+                        <a:lnSpc>
+                          <a:spcPct val="100000"/>
+                        </a:lnSpc>
+                        <a:spcBef>
+                          <a:spcPts val="0"/>
+                        </a:spcBef>
+                        <a:spcAft>
+                          <a:spcPts val="0"/>
+                        </a:spcAft>
+                        <a:buClrTx/>
+                        <a:buSzTx/>
+                        <a:buFontTx/>
+                        <a:buNone/>
+                        <a:tabLst/>
+                        <a:defRPr/>
+                      </a:pPr>
+                      <a:r>
+                        <a:rPr lang="en-US" altLang="zh-TW" sz="1800" dirty="0" err="1" smtClean="0"/>
+                        <a:t>OneMeal</a:t>
+                      </a:r>
+                      <a:r>
+                        <a:rPr lang="zh-TW" altLang="en-US" sz="1800" dirty="0" smtClean="0"/>
+                        <a:t>顯示</a:t>
+                      </a:r>
+                    </a:p>
+                  </a:txBody>
+                  <a:tcPr/>
+                </a:tc>
+                <a:tc rowSpan="2">
+                  <a:txBody>
+                    <a:bodyPr/>
+                    <a:lstStyle/>
+                    <a:p>
+                      <a:pPr marL="0" marR="0" indent="0" algn="ctr" defTabSz="914400" rtl="0" eaLnBrk="1" fontAlgn="auto" latinLnBrk="0" hangingPunct="1">
+                        <a:lnSpc>
+                          <a:spcPct val="100000"/>
+                        </a:lnSpc>
+                        <a:spcBef>
+                          <a:spcPts val="0"/>
+                        </a:spcBef>
+                        <a:spcAft>
+                          <a:spcPts val="0"/>
+                        </a:spcAft>
+                        <a:buClrTx/>
+                        <a:buSzTx/>
+                        <a:buFontTx/>
+                        <a:buNone/>
+                        <a:tabLst/>
+                        <a:defRPr/>
+                      </a:pPr>
+                      <a:r>
+                        <a:rPr lang="en-US" altLang="zh-TW" sz="1800" dirty="0" err="1" smtClean="0"/>
+                        <a:t>jmeter</a:t>
+                      </a:r>
+                      <a:endParaRPr lang="zh-TW" altLang="en-US" sz="1800" dirty="0" smtClean="0"/>
+                    </a:p>
+                  </a:txBody>
+                  <a:tcPr/>
+                </a:tc>
+              </a:tr>
+              <a:tr h="438891">
+                <a:tc vMerge="1">
+                  <a:txBody>
+                    <a:bodyPr/>
+                    <a:lstStyle/>
+                    <a:p>
+                      <a:pPr algn="ctr"/>
+                      <a:endParaRPr lang="zh-TW" altLang="en-US" sz="1800" dirty="0"/>
+                    </a:p>
+                  </a:txBody>
+                  <a:tcPr/>
+                </a:tc>
+                <a:tc>
+                  <a:txBody>
+                    <a:bodyPr/>
+                    <a:lstStyle/>
+                    <a:p>
+                      <a:pPr algn="ctr"/>
+                      <a:r>
+                        <a:rPr lang="zh-TW" altLang="en-US" sz="1800" dirty="0" smtClean="0"/>
+                        <a:t>狀態</a:t>
+                      </a:r>
+                      <a:endParaRPr lang="zh-TW" altLang="en-US" sz="1800" dirty="0"/>
+                    </a:p>
+                  </a:txBody>
+                  <a:tcPr/>
+                </a:tc>
+                <a:tc>
+                  <a:txBody>
+                    <a:bodyPr/>
+                    <a:lstStyle/>
+                    <a:p>
+                      <a:pPr algn="ctr"/>
+                      <a:r>
+                        <a:rPr lang="zh-TW" altLang="en-US" sz="1800" dirty="0" smtClean="0"/>
+                        <a:t>結帳</a:t>
+                      </a:r>
+                      <a:endParaRPr lang="zh-TW" altLang="en-US" sz="1800" dirty="0"/>
+                    </a:p>
+                  </a:txBody>
+                  <a:tcPr/>
+                </a:tc>
+                <a:tc vMerge="1">
+                  <a:txBody>
+                    <a:bodyPr/>
+                    <a:lstStyle/>
+                    <a:p>
+                      <a:pPr algn="ctr"/>
+                      <a:endParaRPr lang="zh-TW" altLang="en-US" sz="1800" dirty="0"/>
+                    </a:p>
+                  </a:txBody>
+                  <a:tcPr/>
+                </a:tc>
+                <a:tc vMerge="1">
+                  <a:txBody>
+                    <a:bodyPr/>
+                    <a:lstStyle/>
+                    <a:p>
+                      <a:endParaRPr lang="zh-TW" altLang="en-US"/>
+                    </a:p>
+                  </a:txBody>
+                  <a:tcPr/>
+                </a:tc>
+              </a:tr>
+              <a:tr h="438891">
+                <a:tc>
+                  <a:txBody>
+                    <a:bodyPr/>
+                    <a:lstStyle/>
+                    <a:p>
+                      <a:r>
+                        <a:rPr lang="en-US" altLang="zh-TW" dirty="0" smtClean="0"/>
+                        <a:t>1.</a:t>
+                      </a:r>
+                      <a:r>
+                        <a:rPr lang="zh-TW" altLang="en-US" dirty="0" smtClean="0"/>
+                        <a:t> </a:t>
+                      </a:r>
+                      <a:r>
+                        <a:rPr lang="en-US" altLang="zh-TW" dirty="0" err="1" smtClean="0"/>
+                        <a:t>OneMeal</a:t>
+                      </a:r>
+                      <a:r>
+                        <a:rPr lang="en-US" altLang="zh-TW" dirty="0" smtClean="0"/>
+                        <a:t> </a:t>
+                      </a:r>
+                      <a:r>
+                        <a:rPr lang="zh-TW" altLang="en-US" dirty="0" smtClean="0"/>
+                        <a:t>送出</a:t>
+                      </a:r>
+                      <a:endParaRPr lang="zh-TW" altLang="en-US" dirty="0"/>
+                    </a:p>
+                  </a:txBody>
+                  <a:tcPr/>
+                </a:tc>
+                <a:tc>
+                  <a:txBody>
+                    <a:bodyPr/>
+                    <a:lstStyle/>
+                    <a:p>
+                      <a:pPr algn="ctr"/>
+                      <a:r>
+                        <a:rPr lang="en-US" altLang="zh-TW" dirty="0" smtClean="0"/>
+                        <a:t>Pending</a:t>
+                      </a:r>
+                      <a:endParaRPr lang="zh-TW" altLang="en-US" dirty="0"/>
+                    </a:p>
+                  </a:txBody>
+                  <a:tcPr/>
+                </a:tc>
+                <a:tc>
+                  <a:txBody>
+                    <a:bodyPr/>
+                    <a:lstStyle/>
+                    <a:p>
+                      <a:pPr algn="ctr"/>
+                      <a:r>
+                        <a:rPr lang="en-US" altLang="zh-TW" dirty="0" smtClean="0"/>
+                        <a:t>false</a:t>
+                      </a:r>
+                      <a:endParaRPr lang="zh-TW" altLang="en-US" dirty="0"/>
+                    </a:p>
+                  </a:txBody>
+                  <a:tcPr/>
+                </a:tc>
+                <a:tc>
+                  <a:txBody>
+                    <a:bodyPr/>
+                    <a:lstStyle/>
+                    <a:p>
+                      <a:pPr algn="ctr"/>
+                      <a:r>
+                        <a:rPr lang="zh-TW" altLang="en-US" dirty="0" smtClean="0"/>
+                        <a:t>未結帳</a:t>
+                      </a:r>
+                      <a:endParaRPr lang="zh-TW" altLang="en-US" dirty="0"/>
+                    </a:p>
+                  </a:txBody>
+                  <a:tcPr/>
+                </a:tc>
+                <a:tc>
+                  <a:txBody>
+                    <a:bodyPr/>
+                    <a:lstStyle/>
+                    <a:p>
+                      <a:pPr algn="ctr"/>
+                      <a:r>
+                        <a:rPr lang="zh-TW" altLang="en-US" dirty="0" smtClean="0"/>
+                        <a:t>顧客取得我的點餐訂單列表</a:t>
+                      </a:r>
+                      <a:r>
+                        <a:rPr lang="en-US" altLang="zh-TW" dirty="0" smtClean="0"/>
+                        <a:t>-</a:t>
+                      </a:r>
+                      <a:r>
+                        <a:rPr lang="zh-TW" altLang="en-US" dirty="0" smtClean="0"/>
+                        <a:t>未結帳</a:t>
+                      </a:r>
+                      <a:endParaRPr lang="zh-TW" altLang="en-US" dirty="0"/>
+                    </a:p>
+                  </a:txBody>
+                  <a:tcPr/>
+                </a:tc>
+              </a:tr>
+              <a:tr h="438891">
+                <a:tc>
+                  <a:txBody>
+                    <a:bodyPr/>
+                    <a:lstStyle/>
+                    <a:p>
+                      <a:r>
+                        <a:rPr lang="en-US" altLang="zh-TW" dirty="0" smtClean="0"/>
+                        <a:t>2.</a:t>
+                      </a:r>
+                      <a:r>
+                        <a:rPr lang="zh-TW" altLang="en-US" dirty="0" smtClean="0"/>
+                        <a:t> </a:t>
+                      </a:r>
+                      <a:r>
+                        <a:rPr lang="en-US" altLang="zh-TW" dirty="0" err="1" smtClean="0"/>
+                        <a:t>OneChef</a:t>
+                      </a:r>
+                      <a:r>
+                        <a:rPr lang="zh-TW" altLang="en-US" dirty="0" smtClean="0"/>
+                        <a:t> 接受</a:t>
+                      </a:r>
+                      <a:endParaRPr lang="zh-TW" altLang="en-US" dirty="0"/>
+                    </a:p>
+                  </a:txBody>
+                  <a:tcPr/>
+                </a:tc>
+                <a:tc>
+                  <a:txBody>
+                    <a:bodyPr/>
+                    <a:lstStyle/>
+                    <a:p>
+                      <a:pPr algn="ctr"/>
+                      <a:r>
+                        <a:rPr lang="en-US" altLang="zh-TW" dirty="0" smtClean="0"/>
+                        <a:t>Accepted</a:t>
+                      </a:r>
+                      <a:endParaRPr lang="zh-TW" altLang="en-US" dirty="0"/>
+                    </a:p>
+                  </a:txBody>
+                  <a:tcPr/>
+                </a:tc>
+                <a:tc>
+                  <a:txBody>
+                    <a:bodyPr/>
+                    <a:lstStyle/>
+                    <a:p>
+                      <a:pPr algn="ctr"/>
+                      <a:r>
+                        <a:rPr lang="en-US" altLang="zh-TW" dirty="0" smtClean="0"/>
+                        <a:t>false</a:t>
+                      </a:r>
+                      <a:endParaRPr lang="zh-TW" altLang="en-US" dirty="0"/>
+                    </a:p>
+                  </a:txBody>
+                  <a:tcPr/>
+                </a:tc>
+                <a:tc>
+                  <a:txBody>
+                    <a:bodyPr/>
+                    <a:lstStyle/>
+                    <a:p>
+                      <a:pPr algn="ctr"/>
+                      <a:r>
+                        <a:rPr lang="zh-TW" altLang="en-US" dirty="0" smtClean="0"/>
+                        <a:t>尚未取餐</a:t>
+                      </a:r>
+                      <a:endParaRPr lang="zh-TW" altLang="en-US" dirty="0"/>
+                    </a:p>
+                  </a:txBody>
+                  <a:tcPr/>
+                </a:tc>
+                <a:tc>
+                  <a:txBody>
+                    <a:bodyPr/>
+                    <a:lstStyle/>
+                    <a:p>
+                      <a:pPr algn="ctr"/>
+                      <a:r>
+                        <a:rPr lang="zh-TW" altLang="en-US" dirty="0" smtClean="0"/>
+                        <a:t>顧客取得我的點餐訂單列表</a:t>
+                      </a:r>
+                      <a:r>
+                        <a:rPr lang="en-US" altLang="zh-TW" dirty="0" smtClean="0"/>
+                        <a:t>-</a:t>
+                      </a:r>
+                      <a:r>
+                        <a:rPr lang="zh-TW" altLang="en-US" dirty="0" smtClean="0"/>
+                        <a:t>尚未取餐 </a:t>
+                      </a:r>
+                      <a:endParaRPr lang="zh-TW" altLang="en-US" dirty="0"/>
+                    </a:p>
+                  </a:txBody>
+                  <a:tcPr/>
+                </a:tc>
+              </a:tr>
+              <a:tr h="438891">
+                <a:tc>
+                  <a:txBody>
+                    <a:bodyPr/>
+                    <a:lstStyle/>
+                    <a:p>
+                      <a:r>
+                        <a:rPr lang="en-US" altLang="zh-TW" dirty="0" smtClean="0"/>
+                        <a:t>3.</a:t>
+                      </a:r>
+                      <a:r>
+                        <a:rPr lang="zh-TW" altLang="en-US" dirty="0" smtClean="0"/>
+                        <a:t> </a:t>
+                      </a:r>
+                      <a:r>
+                        <a:rPr lang="en-US" altLang="zh-TW" dirty="0" err="1" smtClean="0"/>
+                        <a:t>OneChef</a:t>
+                      </a:r>
+                      <a:r>
+                        <a:rPr lang="en-US" altLang="zh-TW" dirty="0" smtClean="0"/>
+                        <a:t> </a:t>
+                      </a:r>
+                      <a:r>
+                        <a:rPr lang="zh-TW" altLang="en-US" dirty="0" smtClean="0"/>
+                        <a:t>通知</a:t>
+                      </a:r>
+                      <a:endParaRPr lang="zh-TW" altLang="en-US" dirty="0"/>
+                    </a:p>
+                  </a:txBody>
+                  <a:tcPr/>
+                </a:tc>
+                <a:tc>
+                  <a:txBody>
+                    <a:bodyPr/>
+                    <a:lstStyle/>
+                    <a:p>
+                      <a:pPr algn="ctr"/>
+                      <a:r>
+                        <a:rPr lang="en-US" altLang="zh-TW" dirty="0" smtClean="0"/>
+                        <a:t>Deliver</a:t>
+                      </a:r>
+                      <a:endParaRPr lang="zh-TW" altLang="en-US" dirty="0"/>
+                    </a:p>
+                  </a:txBody>
+                  <a:tcPr/>
+                </a:tc>
+                <a:tc>
+                  <a:txBody>
+                    <a:bodyPr/>
+                    <a:lstStyle/>
+                    <a:p>
+                      <a:pPr algn="ctr"/>
+                      <a:r>
+                        <a:rPr lang="en-US" altLang="zh-TW" dirty="0" smtClean="0"/>
+                        <a:t>false</a:t>
+                      </a:r>
+                      <a:endParaRPr lang="zh-TW" altLang="en-US" dirty="0"/>
+                    </a:p>
+                  </a:txBody>
+                  <a:tcPr/>
+                </a:tc>
+                <a:tc>
+                  <a:txBody>
+                    <a:bodyPr/>
+                    <a:lstStyle/>
+                    <a:p>
+                      <a:pPr algn="ctr"/>
+                      <a:r>
+                        <a:rPr lang="zh-TW" altLang="en-US" strike="noStrike" dirty="0" smtClean="0"/>
+                        <a:t>前往取餐</a:t>
+                      </a:r>
+                      <a:endParaRPr lang="zh-TW" altLang="en-US" strike="noStrike" dirty="0"/>
+                    </a:p>
+                  </a:txBody>
+                  <a:tcPr/>
+                </a:tc>
+                <a:tc>
+                  <a:txBody>
+                    <a:bodyPr/>
+                    <a:lstStyle/>
+                    <a:p>
+                      <a:pPr algn="ctr"/>
+                      <a:r>
+                        <a:rPr lang="zh-TW" altLang="en-US" dirty="0" smtClean="0"/>
+                        <a:t>顧客取得我的點餐訂單列表</a:t>
+                      </a:r>
+                      <a:r>
+                        <a:rPr lang="en-US" altLang="zh-TW" dirty="0" smtClean="0"/>
+                        <a:t>-</a:t>
+                      </a:r>
+                      <a:r>
+                        <a:rPr lang="zh-TW" altLang="en-US" dirty="0" smtClean="0"/>
+                        <a:t>前往取餐</a:t>
+                      </a:r>
+                      <a:endParaRPr lang="zh-TW" altLang="en-US" dirty="0"/>
+                    </a:p>
+                  </a:txBody>
+                  <a:tcPr/>
+                </a:tc>
+              </a:tr>
+              <a:tr h="438891">
+                <a:tc>
+                  <a:txBody>
+                    <a:bodyPr/>
+                    <a:lstStyle/>
+                    <a:p>
+                      <a:r>
+                        <a:rPr lang="en-US" altLang="zh-TW" dirty="0" smtClean="0"/>
+                        <a:t>4.</a:t>
+                      </a:r>
+                      <a:r>
+                        <a:rPr lang="zh-TW" altLang="en-US" dirty="0" smtClean="0"/>
+                        <a:t> </a:t>
+                      </a:r>
+                      <a:r>
+                        <a:rPr lang="en-US" altLang="zh-TW" dirty="0" err="1" smtClean="0"/>
+                        <a:t>OneChef</a:t>
+                      </a:r>
+                      <a:r>
+                        <a:rPr lang="en-US" altLang="zh-TW" dirty="0" smtClean="0"/>
+                        <a:t> </a:t>
+                      </a:r>
+                      <a:r>
+                        <a:rPr lang="zh-TW" altLang="en-US" dirty="0" smtClean="0"/>
+                        <a:t>取餐完成</a:t>
+                      </a:r>
+                      <a:endParaRPr lang="zh-TW" altLang="en-US" dirty="0"/>
+                    </a:p>
+                  </a:txBody>
+                  <a:tcPr/>
+                </a:tc>
+                <a:tc>
+                  <a:txBody>
+                    <a:bodyPr/>
+                    <a:lstStyle/>
+                    <a:p>
+                      <a:pPr algn="ctr"/>
+                      <a:r>
+                        <a:rPr lang="en-US" altLang="zh-TW" dirty="0" smtClean="0"/>
+                        <a:t>Complete</a:t>
+                      </a:r>
+                      <a:endParaRPr lang="zh-TW" altLang="en-US" dirty="0"/>
+                    </a:p>
+                  </a:txBody>
+                  <a:tcPr/>
+                </a:tc>
+                <a:tc>
+                  <a:txBody>
+                    <a:bodyPr/>
+                    <a:lstStyle/>
+                    <a:p>
+                      <a:pPr algn="ctr"/>
+                      <a:r>
+                        <a:rPr lang="en-US" altLang="zh-TW" dirty="0" smtClean="0"/>
+                        <a:t>false</a:t>
+                      </a:r>
+                      <a:endParaRPr lang="zh-TW" altLang="en-US" dirty="0"/>
+                    </a:p>
+                  </a:txBody>
+                  <a:tcPr/>
+                </a:tc>
+                <a:tc>
+                  <a:txBody>
+                    <a:bodyPr/>
+                    <a:lstStyle/>
+                    <a:p>
+                      <a:pPr algn="ctr"/>
+                      <a:r>
+                        <a:rPr lang="zh-TW" altLang="en-US" dirty="0" smtClean="0">
+                          <a:solidFill>
+                            <a:srgbClr val="FF0000"/>
+                          </a:solidFill>
+                        </a:rPr>
+                        <a:t>未結帳</a:t>
+                      </a:r>
+                      <a:endParaRPr lang="zh-TW" altLang="en-US" dirty="0">
+                        <a:solidFill>
+                          <a:srgbClr val="FF0000"/>
+                        </a:solidFill>
+                      </a:endParaRPr>
+                    </a:p>
+                  </a:txBody>
+                  <a:tcPr/>
+                </a:tc>
+                <a:tc>
+                  <a:txBody>
+                    <a:bodyPr/>
+                    <a:lstStyle/>
+                    <a:p>
+                      <a:pPr algn="ctr"/>
+                      <a:r>
+                        <a:rPr lang="zh-TW" altLang="en-US" dirty="0" smtClean="0">
+                          <a:solidFill>
+                            <a:schemeClr val="tx1"/>
+                          </a:solidFill>
+                        </a:rPr>
+                        <a:t>顧客取得我的點餐訂單列表</a:t>
+                      </a:r>
+                      <a:r>
+                        <a:rPr lang="en-US" altLang="zh-TW" dirty="0" smtClean="0">
+                          <a:solidFill>
+                            <a:schemeClr val="tx1"/>
+                          </a:solidFill>
+                        </a:rPr>
+                        <a:t>-</a:t>
+                      </a:r>
+                      <a:r>
+                        <a:rPr lang="zh-TW" altLang="en-US" dirty="0" smtClean="0">
+                          <a:solidFill>
+                            <a:schemeClr val="tx1"/>
+                          </a:solidFill>
+                        </a:rPr>
+                        <a:t>取餐完成，尚未結帳</a:t>
+                      </a:r>
+                      <a:endParaRPr lang="zh-TW" altLang="en-US" dirty="0">
+                        <a:solidFill>
+                          <a:schemeClr val="tx1"/>
+                        </a:solidFill>
+                      </a:endParaRPr>
+                    </a:p>
+                  </a:txBody>
+                  <a:tcPr/>
+                </a:tc>
+              </a:tr>
+              <a:tr h="438891">
+                <a:tc>
+                  <a:txBody>
+                    <a:bodyPr/>
+                    <a:lstStyle/>
+                    <a:p>
+                      <a:r>
+                        <a:rPr lang="en-US" altLang="zh-TW" dirty="0" smtClean="0"/>
+                        <a:t>5.</a:t>
+                      </a:r>
+                      <a:r>
+                        <a:rPr lang="zh-TW" altLang="en-US" dirty="0" smtClean="0"/>
+                        <a:t> </a:t>
+                      </a:r>
+                      <a:r>
+                        <a:rPr lang="en-US" altLang="zh-TW" dirty="0" err="1" smtClean="0"/>
+                        <a:t>OneChef</a:t>
+                      </a:r>
+                      <a:r>
+                        <a:rPr lang="zh-TW" altLang="en-US" dirty="0" smtClean="0"/>
+                        <a:t> 結帳</a:t>
+                      </a:r>
+                      <a:endParaRPr lang="zh-TW" altLang="en-US" dirty="0"/>
+                    </a:p>
+                  </a:txBody>
+                  <a:tcPr/>
+                </a:tc>
+                <a:tc>
+                  <a:txBody>
+                    <a:bodyPr/>
+                    <a:lstStyle/>
+                    <a:p>
+                      <a:pPr algn="ctr"/>
+                      <a:r>
+                        <a:rPr lang="zh-TW" altLang="en-US" strike="noStrike" dirty="0" smtClean="0">
+                          <a:solidFill>
+                            <a:srgbClr val="FF0000"/>
+                          </a:solidFill>
+                        </a:rPr>
+                        <a:t>接續</a:t>
+                      </a:r>
+                      <a:r>
+                        <a:rPr lang="en-US" altLang="zh-TW" strike="noStrike" dirty="0" smtClean="0">
+                          <a:solidFill>
+                            <a:srgbClr val="FF0000"/>
+                          </a:solidFill>
+                        </a:rPr>
+                        <a:t/>
+                      </a:r>
+                      <a:br>
+                        <a:rPr lang="en-US" altLang="zh-TW" strike="noStrike" dirty="0" smtClean="0">
+                          <a:solidFill>
+                            <a:srgbClr val="FF0000"/>
+                          </a:solidFill>
+                        </a:rPr>
+                      </a:br>
+                      <a:r>
+                        <a:rPr lang="en-US" altLang="zh-TW" strike="noStrike" dirty="0" smtClean="0">
+                          <a:solidFill>
+                            <a:srgbClr val="FF0000"/>
+                          </a:solidFill>
+                        </a:rPr>
+                        <a:t>complete</a:t>
+                      </a:r>
+                      <a:endParaRPr lang="zh-TW" altLang="en-US" strike="noStrike" dirty="0">
+                        <a:solidFill>
+                          <a:srgbClr val="FF0000"/>
+                        </a:solidFill>
+                      </a:endParaRPr>
+                    </a:p>
+                  </a:txBody>
+                  <a:tcPr/>
+                </a:tc>
+                <a:tc>
+                  <a:txBody>
+                    <a:bodyPr/>
+                    <a:lstStyle/>
+                    <a:p>
+                      <a:pPr algn="ctr"/>
+                      <a:r>
+                        <a:rPr lang="en-US" altLang="zh-TW" dirty="0" smtClean="0"/>
+                        <a:t>true</a:t>
+                      </a:r>
+                      <a:endParaRPr lang="zh-TW" altLang="en-US" dirty="0"/>
+                    </a:p>
+                  </a:txBody>
+                  <a:tcPr/>
+                </a:tc>
+                <a:tc>
+                  <a:txBody>
+                    <a:bodyPr/>
+                    <a:lstStyle/>
+                    <a:p>
+                      <a:pPr algn="ctr"/>
+                      <a:r>
+                        <a:rPr lang="zh-TW" altLang="en-US" dirty="0" smtClean="0">
+                          <a:solidFill>
+                            <a:schemeClr val="tx1"/>
+                          </a:solidFill>
+                        </a:rPr>
+                        <a:t>消失在列表</a:t>
+                      </a:r>
+                      <a:endParaRPr lang="zh-TW" altLang="en-US" dirty="0">
+                        <a:solidFill>
+                          <a:srgbClr val="FF0000"/>
+                        </a:solidFill>
+                      </a:endParaRPr>
+                    </a:p>
+                  </a:txBody>
+                  <a:tcPr/>
+                </a:tc>
+                <a:tc>
+                  <a:txBody>
+                    <a:bodyPr/>
+                    <a:lstStyle/>
+                    <a:p>
+                      <a:pPr algn="ctr"/>
+                      <a:endParaRPr lang="zh-TW" altLang="en-US" dirty="0">
+                        <a:solidFill>
+                          <a:srgbClr val="FF0000"/>
+                        </a:solidFill>
+                      </a:endParaRPr>
+                    </a:p>
+                  </a:txBody>
+                  <a:tcPr/>
+                </a:tc>
+              </a:tr>
+            </a:tbl>
+          </a:graphicData>
+        </a:graphic>
+      </p:graphicFrame>
+    </p:spTree>
+    <p:extLst>
+      <p:ext uri="{BB962C8B-B14F-4D97-AF65-F5344CB8AC3E}">
+        <p14:creationId xmlns:p14="http://schemas.microsoft.com/office/powerpoint/2010/main" val="3517500608"/>
+      </p:ext>
+    </p:extLst>
+  </p:cSld>
+  <p:clrMapOvr>
+    <a:masterClrMapping/>
+  </p:clrMapOvr>
+</p:sld>
+</file>
+
+<file path=ppt/slides/slide13.xml><?xml version="1.0" encoding="utf-8"?>
+<p:sld xmlns:a="http://schemas.openxmlformats.org/drawingml/2006/main" xmlns:r="http://schemas.openxmlformats.org/officeDocument/2006/relationships" xmlns:p="http://schemas.openxmlformats.org/presentationml/2006/main">
+  <p:cSld>
+    <p:spTree>
+      <p:nvGrpSpPr>
+        <p:cNvPr id="1" name=""/>
+        <p:cNvGrpSpPr/>
+        <p:nvPr/>
+      </p:nvGrpSpPr>
+      <p:grpSpPr>
+        <a:xfrm>
+          <a:off x="0" y="0"/>
+          <a:ext cx="0" cy="0"/>
+          <a:chOff x="0" y="0"/>
+          <a:chExt cx="0" cy="0"/>
+        </a:xfrm>
+      </p:grpSpPr>
+      <p:sp>
+        <p:nvSpPr>
+          <p:cNvPr id="2" name="標題 1"/>
+          <p:cNvSpPr>
+            <a:spLocks noGrp="1"/>
+          </p:cNvSpPr>
+          <p:nvPr>
+            <p:ph type="title"/>
+          </p:nvPr>
+        </p:nvSpPr>
+        <p:spPr>
+          <a:xfrm>
+            <a:off x="718558" y="211301"/>
+            <a:ext cx="10515600" cy="1325563"/>
+          </a:xfrm>
+        </p:spPr>
+        <p:txBody>
+          <a:bodyPr>
+            <a:normAutofit/>
+          </a:bodyPr>
+          <a:lstStyle/>
+          <a:p>
+            <a:pPr algn="ctr"/>
+            <a:r>
+              <a:rPr lang="en-US" altLang="zh-TW" sz="2800" dirty="0" smtClean="0"/>
+              <a:t>Order Case</a:t>
+            </a:r>
+            <a:r>
+              <a:rPr lang="zh-TW" altLang="en-US" sz="2800" dirty="0" smtClean="0"/>
+              <a:t> </a:t>
+            </a:r>
+            <a:r>
+              <a:rPr lang="en-US" altLang="zh-TW" sz="2800" dirty="0" smtClean="0"/>
+              <a:t>– </a:t>
+            </a:r>
+            <a:r>
+              <a:rPr lang="zh-TW" altLang="en-US" sz="2800" dirty="0" smtClean="0"/>
+              <a:t>後結 </a:t>
+            </a:r>
+            <a:r>
+              <a:rPr lang="en-US" altLang="zh-TW" sz="2800" dirty="0" smtClean="0"/>
               <a:t>2</a:t>
             </a:r>
             <a:endParaRPr lang="zh-TW" altLang="en-US" sz="2800" dirty="0"/>
@@ -5341,7 +6053,7 @@
 </p:sld>
 </file>
 
-<file path=ppt/slides/slide13.xml><?xml version="1.0" encoding="utf-8"?>
+<file path=ppt/slides/slide14.xml><?xml version="1.0" encoding="utf-8"?>
 <p:sld xmlns:a="http://schemas.openxmlformats.org/drawingml/2006/main" xmlns:r="http://schemas.openxmlformats.org/officeDocument/2006/relationships" xmlns:p="http://schemas.openxmlformats.org/presentationml/2006/main">
   <p:cSld>
     <p:spTree>
@@ -6193,14 +6905,14 @@
           <p:nvPr>
             <p:extLst>
               <p:ext uri="{D42A27DB-BD31-4B8C-83A1-F6EECF244321}">
-                <p14:modId xmlns:p14="http://schemas.microsoft.com/office/powerpoint/2010/main" val="1263490261"/>
+                <p14:modId xmlns:p14="http://schemas.microsoft.com/office/powerpoint/2010/main" val="2849970325"/>
               </p:ext>
             </p:extLst>
           </p:nvPr>
         </p:nvGraphicFramePr>
         <p:xfrm>
-          <a:off x="1461331" y="1608426"/>
-          <a:ext cx="8579027" cy="2194455"/>
+          <a:off x="3102126" y="1779341"/>
+          <a:ext cx="5127475" cy="1956753"/>
         </p:xfrm>
         <a:graphic>
           <a:graphicData uri="http://schemas.openxmlformats.org/drawingml/2006/table">
@@ -6209,37 +6921,9 @@
                 <a:tableStyleId>{5940675A-B579-460E-94D1-54222C63F5DA}</a:tableStyleId>
               </a:tblPr>
               <a:tblGrid>
-                <a:gridCol w="1606609"/>
-                <a:gridCol w="6972418"/>
+                <a:gridCol w="1059677"/>
+                <a:gridCol w="4067798"/>
               </a:tblGrid>
-              <a:tr h="438891">
-                <a:tc>
-                  <a:txBody>
-                    <a:bodyPr/>
-                    <a:lstStyle/>
-                    <a:p>
-                      <a:pPr algn="ctr"/>
-                      <a:endParaRPr lang="zh-TW" altLang="en-US" sz="1800" dirty="0"/>
-                    </a:p>
-                  </a:txBody>
-                  <a:tcPr/>
-                </a:tc>
-                <a:tc>
-                  <a:txBody>
-                    <a:bodyPr/>
-                    <a:lstStyle/>
-                    <a:p>
-                      <a:pPr algn="ctr"/>
-                      <a:r>
-                        <a:rPr lang="zh-TW" altLang="en-US" sz="1800" dirty="0" smtClean="0"/>
-                        <a:t>點餐</a:t>
-                      </a:r>
-                      <a:endParaRPr lang="zh-TW" altLang="en-US" sz="1800" dirty="0"/>
-                    </a:p>
-                  </a:txBody>
-                  <a:tcPr/>
-                </a:tc>
-              </a:tr>
               <a:tr h="438891">
                 <a:tc>
                   <a:txBody>
@@ -6522,7 +7206,7 @@
           <p:nvPr>
             <p:extLst>
               <p:ext uri="{D42A27DB-BD31-4B8C-83A1-F6EECF244321}">
-                <p14:modId xmlns:p14="http://schemas.microsoft.com/office/powerpoint/2010/main" val="75383678"/>
+                <p14:modId xmlns:p14="http://schemas.microsoft.com/office/powerpoint/2010/main" val="1122888484"/>
               </p:ext>
             </p:extLst>
           </p:nvPr>
@@ -6849,6 +7533,14 @@
                       <a:r>
                         <a:rPr lang="en-US" altLang="zh-TW" sz="1800" dirty="0" smtClean="0"/>
                         <a:t>Accepted</a:t>
+                      </a:r>
+                      <a:r>
+                        <a:rPr lang="zh-TW" altLang="en-US" sz="1800" dirty="0" smtClean="0"/>
+                        <a:t>然後</a:t>
+                      </a:r>
+                      <a:r>
+                        <a:rPr lang="en-US" altLang="zh-TW" sz="1800" dirty="0" smtClean="0"/>
+                        <a:t>finish</a:t>
                       </a:r>
                       <a:endParaRPr lang="zh-TW" altLang="en-US" sz="1800" dirty="0" smtClean="0"/>
                     </a:p>
@@ -8552,11 +9244,7 @@
             </a:r>
             <a:r>
               <a:rPr lang="zh-TW" altLang="en-US" sz="3600" dirty="0" smtClean="0"/>
-              <a:t>明</a:t>
-            </a:r>
-            <a:r>
-              <a:rPr lang="zh-TW" altLang="en-US" sz="3600" dirty="0" smtClean="0"/>
-              <a:t>細</a:t>
+              <a:t>明細</a:t>
             </a:r>
             <a:endParaRPr lang="zh-TW" altLang="en-US" sz="3600" dirty="0"/>
           </a:p>
@@ -9023,7 +9711,7 @@
             </a:r>
             <a:r>
               <a:rPr lang="zh-TW" altLang="en-US" sz="3600" dirty="0" smtClean="0"/>
-              <a:t>結帳</a:t>
+              <a:t>結帳列表</a:t>
             </a:r>
             <a:endParaRPr lang="zh-TW" altLang="en-US" sz="3600" dirty="0"/>
           </a:p>
@@ -9038,14 +9726,14 @@
           <p:nvPr>
             <p:extLst>
               <p:ext uri="{D42A27DB-BD31-4B8C-83A1-F6EECF244321}">
-                <p14:modId xmlns:p14="http://schemas.microsoft.com/office/powerpoint/2010/main" val="1684696519"/>
+                <p14:modId xmlns:p14="http://schemas.microsoft.com/office/powerpoint/2010/main" val="409266867"/>
               </p:ext>
             </p:extLst>
           </p:nvPr>
         </p:nvGraphicFramePr>
         <p:xfrm>
           <a:off x="2281727" y="1847708"/>
-          <a:ext cx="6785361" cy="1755564"/>
+          <a:ext cx="6785360" cy="1755564"/>
         </p:xfrm>
         <a:graphic>
           <a:graphicData uri="http://schemas.openxmlformats.org/drawingml/2006/table">
@@ -9054,8 +9742,9 @@
                 <a:tableStyleId>{5940675A-B579-460E-94D1-54222C63F5DA}</a:tableStyleId>
               </a:tblPr>
               <a:tblGrid>
-                <a:gridCol w="1744199"/>
-                <a:gridCol w="5041162"/>
+                <a:gridCol w="1000718"/>
+                <a:gridCol w="2892321"/>
+                <a:gridCol w="2892321"/>
               </a:tblGrid>
               <a:tr h="438891">
                 <a:tc>
@@ -9077,7 +9766,30 @@
                       <a:pPr algn="ctr"/>
                       <a:r>
                         <a:rPr lang="zh-TW" altLang="en-US" sz="1800" dirty="0" smtClean="0"/>
-                        <a:t>結帳</a:t>
+                        <a:t>有 </a:t>
+                      </a:r>
+                      <a:r>
+                        <a:rPr lang="en-US" altLang="zh-TW" sz="1800" dirty="0" err="1" smtClean="0"/>
+                        <a:t>oneMeal</a:t>
+                      </a:r>
+                      <a:endParaRPr lang="zh-TW" altLang="en-US" sz="1800" dirty="0"/>
+                    </a:p>
+                  </a:txBody>
+                  <a:tcPr/>
+                </a:tc>
+                <a:tc>
+                  <a:txBody>
+                    <a:bodyPr/>
+                    <a:lstStyle/>
+                    <a:p>
+                      <a:pPr algn="ctr"/>
+                      <a:r>
+                        <a:rPr lang="zh-TW" altLang="en-US" sz="1800" dirty="0" smtClean="0"/>
+                        <a:t>沒 </a:t>
+                      </a:r>
+                      <a:r>
+                        <a:rPr lang="en-US" altLang="zh-TW" sz="1800" dirty="0" err="1" smtClean="0"/>
+                        <a:t>oneMeal</a:t>
                       </a:r>
                       <a:endParaRPr lang="zh-TW" altLang="en-US" sz="1800" dirty="0"/>
                     </a:p>
@@ -9109,77 +9821,28 @@
                       <a:pPr algn="ctr"/>
                       <a:r>
                         <a:rPr lang="en-US" altLang="zh-TW" dirty="0" smtClean="0"/>
-                        <a:t>Order</a:t>
-                      </a:r>
-                      <a:r>
-                        <a:rPr lang="zh-TW" altLang="en-US" dirty="0" smtClean="0"/>
-                        <a:t>狀態改為</a:t>
-                      </a:r>
+                        <a:t>!PAID</a:t>
+                      </a:r>
+                      <a:r>
+                        <a:rPr lang="en-US" altLang="zh-TW" baseline="0" dirty="0" smtClean="0"/>
+                        <a:t> &amp;&amp; !PENDING</a:t>
+                      </a:r>
+                      <a:endParaRPr lang="zh-TW" altLang="en-US" dirty="0"/>
+                    </a:p>
+                  </a:txBody>
+                  <a:tcPr/>
+                </a:tc>
+                <a:tc>
+                  <a:txBody>
+                    <a:bodyPr/>
+                    <a:lstStyle/>
+                    <a:p>
+                      <a:pPr algn="ctr"/>
                       <a:r>
                         <a:rPr lang="en-US" altLang="zh-TW" dirty="0" smtClean="0"/>
-                        <a:t>ACCEPTED</a:t>
-                      </a:r>
-                      <a:r>
-                        <a:rPr lang="en-US" altLang="zh-TW" dirty="0" smtClean="0">
-                          <a:solidFill>
-                            <a:srgbClr val="FF0000"/>
-                          </a:solidFill>
-                        </a:rPr>
-                        <a:t>  (</a:t>
-                      </a:r>
-                      <a:r>
-                        <a:rPr lang="zh-TW" altLang="en-US" dirty="0" smtClean="0">
-                          <a:solidFill>
-                            <a:srgbClr val="FF0000"/>
-                          </a:solidFill>
-                        </a:rPr>
-                        <a:t>注意</a:t>
-                      </a:r>
-                      <a:r>
-                        <a:rPr lang="en-US" altLang="zh-TW" dirty="0" smtClean="0">
-                          <a:solidFill>
-                            <a:srgbClr val="FF0000"/>
-                          </a:solidFill>
-                        </a:rPr>
-                        <a:t>!</a:t>
-                      </a:r>
-                      <a:r>
-                        <a:rPr lang="zh-TW" altLang="en-US" dirty="0" smtClean="0">
-                          <a:solidFill>
-                            <a:srgbClr val="FF0000"/>
-                          </a:solidFill>
-                        </a:rPr>
-                        <a:t> </a:t>
-                      </a:r>
-                      <a:r>
-                        <a:rPr lang="en-US" altLang="zh-TW" dirty="0" smtClean="0">
-                          <a:solidFill>
-                            <a:srgbClr val="FF0000"/>
-                          </a:solidFill>
-                        </a:rPr>
-                        <a:t>server</a:t>
-                      </a:r>
-                      <a:r>
-                        <a:rPr lang="zh-TW" altLang="en-US" dirty="0" smtClean="0">
-                          <a:solidFill>
-                            <a:srgbClr val="FF0000"/>
-                          </a:solidFill>
-                        </a:rPr>
-                        <a:t>會幫改</a:t>
-                      </a:r>
-                      <a:r>
-                        <a:rPr lang="en-US" altLang="zh-TW" dirty="0" smtClean="0">
-                          <a:solidFill>
-                            <a:srgbClr val="FF0000"/>
-                          </a:solidFill>
-                        </a:rPr>
-                        <a:t>)</a:t>
-                      </a:r>
-                      <a:endParaRPr lang="zh-TW" altLang="en-US" dirty="0">
-                        <a:solidFill>
-                          <a:srgbClr val="FF0000"/>
-                        </a:solidFill>
-                      </a:endParaRPr>
+                        <a:t>!PAID</a:t>
+                      </a:r>
+                      <a:endParaRPr lang="zh-TW" altLang="en-US" dirty="0"/>
                     </a:p>
                   </a:txBody>
                   <a:tcPr/>
@@ -9209,71 +9872,26 @@
                       <a:pPr algn="ctr"/>
                       <a:r>
                         <a:rPr lang="en-US" altLang="zh-TW" dirty="0" smtClean="0"/>
-                        <a:t>Order</a:t>
-                      </a:r>
-                      <a:r>
-                        <a:rPr lang="zh-TW" altLang="en-US" dirty="0" smtClean="0"/>
-                        <a:t>狀態改為</a:t>
-                      </a:r>
-                      <a:r>
-                        <a:rPr lang="en-US" altLang="zh-TW" dirty="0" smtClean="0"/>
-                        <a:t>ACCEPTED</a:t>
-                      </a:r>
-                      <a:r>
-                        <a:rPr lang="en-US" altLang="zh-TW" dirty="0" smtClean="0">
-                          <a:solidFill>
-                            <a:srgbClr val="FF0000"/>
-                          </a:solidFill>
-                        </a:rPr>
-                        <a:t> (</a:t>
-                      </a:r>
-                      <a:r>
-                        <a:rPr lang="zh-TW" altLang="en-US" dirty="0" smtClean="0">
-                          <a:solidFill>
-                            <a:srgbClr val="FF0000"/>
-                          </a:solidFill>
-                        </a:rPr>
-                        <a:t>注意</a:t>
-                      </a:r>
-                      <a:r>
-                        <a:rPr lang="en-US" altLang="zh-TW" dirty="0" smtClean="0">
-                          <a:solidFill>
-                            <a:srgbClr val="FF0000"/>
-                          </a:solidFill>
-                        </a:rPr>
-                        <a:t>!</a:t>
-                      </a:r>
-                      <a:r>
-                        <a:rPr lang="zh-TW" altLang="en-US" dirty="0" smtClean="0">
-                          <a:solidFill>
-                            <a:srgbClr val="FF0000"/>
-                          </a:solidFill>
-                        </a:rPr>
-                        <a:t> </a:t>
-                      </a:r>
-                      <a:r>
-                        <a:rPr lang="en-US" altLang="zh-TW" dirty="0" smtClean="0">
-                          <a:solidFill>
-                            <a:srgbClr val="FF0000"/>
-                          </a:solidFill>
-                        </a:rPr>
-                        <a:t>server</a:t>
-                      </a:r>
-                      <a:r>
-                        <a:rPr lang="zh-TW" altLang="en-US" dirty="0" smtClean="0">
-                          <a:solidFill>
-                            <a:srgbClr val="FF0000"/>
-                          </a:solidFill>
-                        </a:rPr>
-                        <a:t>會幫改</a:t>
-                      </a:r>
-                      <a:r>
-                        <a:rPr lang="en-US" altLang="zh-TW" dirty="0" smtClean="0">
-                          <a:solidFill>
-                            <a:srgbClr val="FF0000"/>
-                          </a:solidFill>
-                        </a:rPr>
-                        <a:t>)</a:t>
+                        <a:t>!PAID</a:t>
+                      </a:r>
+                      <a:r>
+                        <a:rPr lang="en-US" altLang="zh-TW" baseline="0" dirty="0" smtClean="0"/>
+                        <a:t> &amp;&amp; !PENDING</a:t>
+                      </a:r>
+                      <a:endParaRPr lang="zh-TW" altLang="en-US" dirty="0"/>
+                    </a:p>
+                  </a:txBody>
+                  <a:tcPr/>
+                </a:tc>
+                <a:tc>
+                  <a:txBody>
+                    <a:bodyPr/>
+                    <a:lstStyle/>
+                    <a:p>
+                      <a:pPr algn="ctr"/>
+                      <a:r>
+                        <a:rPr lang="en-US" altLang="zh-TW" smtClean="0"/>
+                        <a:t>!PAID</a:t>
                       </a:r>
                       <a:endParaRPr lang="zh-TW" altLang="en-US" dirty="0"/>
                     </a:p>
@@ -9305,71 +9923,30 @@
                       <a:pPr algn="ctr"/>
                       <a:r>
                         <a:rPr lang="en-US" altLang="zh-TW" dirty="0" smtClean="0"/>
-                        <a:t>Order</a:t>
-                      </a:r>
-                      <a:r>
-                        <a:rPr lang="zh-TW" altLang="en-US" dirty="0" smtClean="0"/>
-                        <a:t>狀態改為</a:t>
-                      </a:r>
+                        <a:t>!PAID</a:t>
+                      </a:r>
+                      <a:r>
+                        <a:rPr lang="en-US" altLang="zh-TW" baseline="0" dirty="0" smtClean="0"/>
+                        <a:t> &amp;&amp; !PENDING</a:t>
+                      </a:r>
+                      <a:endParaRPr lang="zh-TW" altLang="en-US" dirty="0"/>
+                    </a:p>
+                  </a:txBody>
+                  <a:tcPr/>
+                </a:tc>
+                <a:tc>
+                  <a:txBody>
+                    <a:bodyPr/>
+                    <a:lstStyle/>
+                    <a:p>
+                      <a:pPr algn="ctr"/>
                       <a:r>
                         <a:rPr lang="en-US" altLang="zh-TW" dirty="0" smtClean="0"/>
-                        <a:t>COMPLETE</a:t>
-                      </a:r>
-                      <a:r>
-                        <a:rPr lang="en-US" altLang="zh-TW" dirty="0" smtClean="0">
-                          <a:solidFill>
-                            <a:srgbClr val="FF0000"/>
-                          </a:solidFill>
-                        </a:rPr>
-                        <a:t> (</a:t>
-                      </a:r>
-                      <a:r>
-                        <a:rPr lang="zh-TW" altLang="en-US" dirty="0" smtClean="0">
-                          <a:solidFill>
-                            <a:srgbClr val="FF0000"/>
-                          </a:solidFill>
-                        </a:rPr>
-                        <a:t>注意</a:t>
-                      </a:r>
-                      <a:r>
-                        <a:rPr lang="en-US" altLang="zh-TW" dirty="0" smtClean="0">
-                          <a:solidFill>
-                            <a:srgbClr val="FF0000"/>
-                          </a:solidFill>
-                        </a:rPr>
-                        <a:t>!</a:t>
-                      </a:r>
-                      <a:r>
-                        <a:rPr lang="zh-TW" altLang="en-US" dirty="0" smtClean="0">
-                          <a:solidFill>
-                            <a:srgbClr val="FF0000"/>
-                          </a:solidFill>
-                        </a:rPr>
-                        <a:t> </a:t>
-                      </a:r>
-                      <a:r>
-                        <a:rPr lang="en-US" altLang="zh-TW" dirty="0" smtClean="0">
-                          <a:solidFill>
-                            <a:srgbClr val="FF0000"/>
-                          </a:solidFill>
-                        </a:rPr>
-                        <a:t>server</a:t>
-                      </a:r>
-                      <a:r>
-                        <a:rPr lang="zh-TW" altLang="en-US" dirty="0" smtClean="0">
-                          <a:solidFill>
-                            <a:srgbClr val="FF0000"/>
-                          </a:solidFill>
-                        </a:rPr>
-                        <a:t>會幫改</a:t>
-                      </a:r>
-                      <a:r>
-                        <a:rPr lang="en-US" altLang="zh-TW" dirty="0" smtClean="0">
-                          <a:solidFill>
-                            <a:srgbClr val="FF0000"/>
-                          </a:solidFill>
-                        </a:rPr>
-                        <a:t>)</a:t>
+                        <a:t>!PAID</a:t>
+                      </a:r>
+                      <a:r>
+                        <a:rPr lang="en-US" altLang="zh-TW" baseline="0" dirty="0" smtClean="0"/>
+                        <a:t> &amp;&amp; !PENDING</a:t>
                       </a:r>
                       <a:endParaRPr lang="zh-TW" altLang="en-US" dirty="0"/>
                     </a:p>
@@ -9384,7 +9961,7 @@
     </p:spTree>
     <p:extLst>
       <p:ext uri="{BB962C8B-B14F-4D97-AF65-F5344CB8AC3E}">
-        <p14:creationId xmlns:p14="http://schemas.microsoft.com/office/powerpoint/2010/main" val="2689563229"/>
+        <p14:creationId xmlns:p14="http://schemas.microsoft.com/office/powerpoint/2010/main" val="1024604224"/>
       </p:ext>
     </p:extLst>
   </p:cSld>
@@ -9395,145 +9972,6 @@
 </file>
 
 <file path=ppt/slides/slide8.xml><?xml version="1.0" encoding="utf-8"?>
-<p:sld xmlns:a="http://schemas.openxmlformats.org/drawingml/2006/main" xmlns:r="http://schemas.openxmlformats.org/officeDocument/2006/relationships" xmlns:p="http://schemas.openxmlformats.org/presentationml/2006/main">
-  <p:cSld>
-    <p:spTree>
-      <p:nvGrpSpPr>
-        <p:cNvPr id="1" name=""/>
-        <p:cNvGrpSpPr/>
-        <p:nvPr/>
-      </p:nvGrpSpPr>
-      <p:grpSpPr>
-        <a:xfrm>
-          <a:off x="0" y="0"/>
-          <a:ext cx="0" cy="0"/>
-          <a:chOff x="0" y="0"/>
-          <a:chExt cx="0" cy="0"/>
-        </a:xfrm>
-      </p:grpSpPr>
-      <p:sp>
-        <p:nvSpPr>
-          <p:cNvPr id="2" name="標題 1"/>
-          <p:cNvSpPr>
-            <a:spLocks noGrp="1"/>
-          </p:cNvSpPr>
-          <p:nvPr>
-            <p:ph type="ctrTitle"/>
-          </p:nvPr>
-        </p:nvSpPr>
-        <p:spPr/>
-        <p:txBody>
-          <a:bodyPr/>
-          <a:lstStyle/>
-          <a:p>
-            <a:r>
-              <a:rPr lang="en-US" altLang="zh-TW" dirty="0" err="1" smtClean="0"/>
-              <a:t>OneChef</a:t>
-            </a:r>
-            <a:r>
-              <a:rPr lang="en-US" altLang="zh-TW" dirty="0" smtClean="0"/>
-              <a:t> </a:t>
-            </a:r>
-            <a:r>
-              <a:rPr lang="en-US" altLang="zh-TW" dirty="0" err="1" smtClean="0"/>
-              <a:t>OneMeal</a:t>
-            </a:r>
-            <a:r>
-              <a:rPr lang="en-US" altLang="zh-TW" smtClean="0"/>
-              <a:t/>
-            </a:r>
-            <a:br>
-              <a:rPr lang="en-US" altLang="zh-TW" smtClean="0"/>
-            </a:br>
-            <a:r>
-              <a:rPr lang="zh-TW" altLang="en-US" smtClean="0"/>
-              <a:t>連</a:t>
-            </a:r>
-            <a:r>
-              <a:rPr lang="zh-TW" altLang="en-US" dirty="0" smtClean="0"/>
-              <a:t>動表格</a:t>
-            </a:r>
-            <a:endParaRPr lang="zh-TW" altLang="en-US" dirty="0"/>
-          </a:p>
-        </p:txBody>
-      </p:sp>
-      <p:sp>
-        <p:nvSpPr>
-          <p:cNvPr id="3" name="副標題 2"/>
-          <p:cNvSpPr>
-            <a:spLocks noGrp="1"/>
-          </p:cNvSpPr>
-          <p:nvPr>
-            <p:ph type="subTitle" idx="1"/>
-          </p:nvPr>
-        </p:nvSpPr>
-        <p:spPr/>
-        <p:txBody>
-          <a:bodyPr/>
-          <a:lstStyle/>
-          <a:p>
-            <a:r>
-              <a:rPr lang="zh-TW" altLang="en-US" dirty="0" smtClean="0"/>
-              <a:t>以下紀錄 </a:t>
-            </a:r>
-            <a:r>
-              <a:rPr lang="en-US" altLang="zh-TW" dirty="0" err="1" smtClean="0"/>
-              <a:t>oneMeal</a:t>
-            </a:r>
-            <a:r>
-              <a:rPr lang="en-US" altLang="zh-TW" dirty="0" smtClean="0"/>
-              <a:t> </a:t>
-            </a:r>
-            <a:r>
-              <a:rPr lang="zh-TW" altLang="en-US" dirty="0" smtClean="0"/>
-              <a:t>與 </a:t>
-            </a:r>
-            <a:r>
-              <a:rPr lang="en-US" altLang="zh-TW" dirty="0" err="1" smtClean="0"/>
-              <a:t>oneChef</a:t>
-            </a:r>
-            <a:r>
-              <a:rPr lang="en-US" altLang="zh-TW" dirty="0" smtClean="0"/>
-              <a:t> </a:t>
-            </a:r>
-            <a:r>
-              <a:rPr lang="zh-TW" altLang="en-US" dirty="0"/>
-              <a:t>每</a:t>
-            </a:r>
-            <a:r>
-              <a:rPr lang="zh-TW" altLang="en-US" dirty="0" smtClean="0"/>
-              <a:t>個</a:t>
-            </a:r>
-            <a:r>
-              <a:rPr lang="zh-TW" altLang="en-US" dirty="0" smtClean="0"/>
-              <a:t>動作的</a:t>
-            </a:r>
-            <a:r>
-              <a:rPr lang="en-US" altLang="zh-TW" dirty="0" smtClean="0"/>
-              <a:t>order</a:t>
-            </a:r>
-            <a:r>
-              <a:rPr lang="zh-TW" altLang="en-US" dirty="0" smtClean="0"/>
-              <a:t>狀態</a:t>
-            </a:r>
-            <a:endParaRPr lang="zh-TW" altLang="en-US" dirty="0"/>
-          </a:p>
-        </p:txBody>
-      </p:sp>
-    </p:spTree>
-    <p:extLst>
-      <p:ext uri="{BB962C8B-B14F-4D97-AF65-F5344CB8AC3E}">
-        <p14:creationId xmlns:p14="http://schemas.microsoft.com/office/powerpoint/2010/main" val="379410454"/>
-      </p:ext>
-    </p:extLst>
-  </p:cSld>
-  <p:clrMapOvr>
-    <a:masterClrMapping/>
-  </p:clrMapOvr>
-</p:sld>
-</file>
-
-<file path=ppt/slides/slide9.xml><?xml version="1.0" encoding="utf-8"?>
 <p:sld xmlns:a="http://schemas.openxmlformats.org/drawingml/2006/main" xmlns:r="http://schemas.openxmlformats.org/officeDocument/2006/relationships" xmlns:p="http://schemas.openxmlformats.org/presentationml/2006/main">
   <p:cSld>
     <p:spTree>
@@ -9574,38 +10012,18 @@
           <a:p>
             <a:pPr algn="ctr"/>
             <a:r>
-              <a:rPr lang="en-US" altLang="zh-TW" sz="2800" dirty="0" smtClean="0"/>
-              <a:t>Order Case</a:t>
-            </a:r>
-            <a:r>
-              <a:rPr lang="zh-TW" altLang="en-US" sz="2800" dirty="0" smtClean="0"/>
+              <a:rPr lang="en-US" altLang="zh-TW" sz="3600" dirty="0" err="1" smtClean="0"/>
+              <a:t>OneChef</a:t>
+            </a:r>
+            <a:r>
+              <a:rPr lang="en-US" altLang="zh-TW" sz="3600" dirty="0" smtClean="0"/>
               <a:t> </a:t>
             </a:r>
             <a:r>
-              <a:rPr lang="en-US" altLang="zh-TW" sz="2800" dirty="0" smtClean="0"/>
-              <a:t>– </a:t>
-            </a:r>
-            <a:r>
-              <a:rPr lang="zh-TW" altLang="en-US" sz="2800" dirty="0"/>
-              <a:t>前</a:t>
-            </a:r>
-            <a:r>
-              <a:rPr lang="zh-TW" altLang="en-US" sz="2800" dirty="0" smtClean="0"/>
-              <a:t>結</a:t>
-            </a:r>
-            <a:r>
-              <a:rPr lang="zh-TW" altLang="en-US" sz="2800" dirty="0"/>
-              <a:t> </a:t>
-            </a:r>
-            <a:r>
-              <a:rPr lang="en-US" altLang="zh-TW" sz="2800" dirty="0" smtClean="0"/>
-              <a:t>1</a:t>
-            </a:r>
-            <a:r>
-              <a:rPr lang="zh-TW" altLang="en-US" sz="2800" dirty="0" smtClean="0"/>
-              <a:t> </a:t>
-            </a:r>
-            <a:endParaRPr lang="zh-TW" altLang="en-US" sz="2800" dirty="0"/>
+              <a:rPr lang="zh-TW" altLang="en-US" sz="3600" dirty="0" smtClean="0"/>
+              <a:t>結帳</a:t>
+            </a:r>
+            <a:endParaRPr lang="zh-TW" altLang="en-US" sz="3600" dirty="0"/>
           </a:p>
         </p:txBody>
       </p:sp>
@@ -9618,14 +10036,14 @@
           <p:nvPr>
             <p:extLst>
               <p:ext uri="{D42A27DB-BD31-4B8C-83A1-F6EECF244321}">
-                <p14:modId xmlns:p14="http://schemas.microsoft.com/office/powerpoint/2010/main" val="2545402246"/>
+                <p14:modId xmlns:p14="http://schemas.microsoft.com/office/powerpoint/2010/main" val="1684696519"/>
               </p:ext>
             </p:extLst>
           </p:nvPr>
         </p:nvGraphicFramePr>
         <p:xfrm>
-          <a:off x="1204957" y="1762245"/>
-          <a:ext cx="9947305" cy="3438102"/>
+          <a:off x="2281727" y="1847708"/>
+          <a:ext cx="6785361" cy="1755564"/>
         </p:xfrm>
         <a:graphic>
           <a:graphicData uri="http://schemas.openxmlformats.org/drawingml/2006/table">
@@ -9634,14 +10052,22 @@
                 <a:tableStyleId>{5940675A-B579-460E-94D1-54222C63F5DA}</a:tableStyleId>
               </a:tblPr>
               <a:tblGrid>
-                <a:gridCol w="2178933"/>
-                <a:gridCol w="1288413"/>
-                <a:gridCol w="1288413"/>
-                <a:gridCol w="2595773"/>
-                <a:gridCol w="2595773"/>
+                <a:gridCol w="1744199"/>
+                <a:gridCol w="5041162"/>
               </a:tblGrid>
               <a:tr h="438891">
-                <a:tc rowSpan="2">
+                <a:tc>
+                  <a:txBody>
+                    <a:bodyPr/>
+                    <a:lstStyle/>
+                    <a:p>
+                      <a:pPr algn="ctr"/>
+                      <a:endParaRPr lang="zh-TW" altLang="en-US" sz="1800" dirty="0"/>
+                    </a:p>
+                  </a:txBody>
+                  <a:tcPr/>
+                </a:tc>
+                <a:tc>
                   <a:txBody>
                     <a:bodyPr/>
                     <a:lstStyle/>
@@ -9649,89 +10075,7 @@
                       <a:pPr algn="ctr"/>
                       <a:r>
                         <a:rPr lang="zh-TW" altLang="en-US" sz="1800" dirty="0" smtClean="0"/>
-                        <a:t>前結 </a:t>
-                      </a:r>
-                      <a:r>
-                        <a:rPr lang="en-US" altLang="zh-TW" sz="1800" dirty="0" smtClean="0"/>
-                        <a:t>Case</a:t>
-                      </a:r>
-                      <a:r>
-                        <a:rPr lang="zh-TW" altLang="en-US" sz="1800" dirty="0" smtClean="0"/>
-                        <a:t> </a:t>
-                      </a:r>
-                      <a:r>
-                        <a:rPr lang="en-US" altLang="zh-TW" sz="1800" dirty="0" smtClean="0"/>
-                        <a:t>1</a:t>
-                      </a:r>
-                      <a:br>
-                        <a:rPr lang="en-US" altLang="zh-TW" sz="1800" dirty="0" smtClean="0"/>
-                      </a:br>
-                      <a:r>
-                        <a:rPr lang="zh-TW" altLang="en-US" sz="1800" dirty="0" smtClean="0"/>
-                        <a:t>流程</a:t>
-                      </a:r>
-                      <a:endParaRPr lang="zh-TW" altLang="en-US" sz="1800" dirty="0"/>
-                    </a:p>
-                  </a:txBody>
-                  <a:tcPr/>
-                </a:tc>
-                <a:tc gridSpan="2">
-                  <a:txBody>
-                    <a:bodyPr/>
-                    <a:lstStyle/>
-                    <a:p>
-                      <a:pPr algn="ctr"/>
-                      <a:r>
-                        <a:rPr lang="en-US" altLang="zh-TW" sz="1800" dirty="0" smtClean="0"/>
-                        <a:t>Order </a:t>
-                      </a:r>
-                      <a:r>
-                        <a:rPr lang="zh-TW" altLang="en-US" sz="1800" dirty="0" smtClean="0"/>
-                        <a:t>狀態</a:t>
-                      </a:r>
-                      <a:endParaRPr lang="zh-TW" altLang="en-US" sz="1800" dirty="0"/>
-                    </a:p>
-                  </a:txBody>
-                  <a:tcPr/>
-                </a:tc>
-                <a:tc hMerge="1">
-                  <a:txBody>
-                    <a:bodyPr/>
-                    <a:lstStyle/>
-                    <a:p>
-                      <a:endParaRPr lang="zh-TW" altLang="en-US"/>
-                    </a:p>
-                  </a:txBody>
-                  <a:tcPr/>
-                </a:tc>
-                <a:tc rowSpan="2">
-                  <a:txBody>
-                    <a:bodyPr/>
-                    <a:lstStyle/>
-                    <a:p>
-                      <a:pPr algn="ctr"/>
-                      <a:r>
-                        <a:rPr lang="en-US" altLang="zh-TW" sz="1800" dirty="0" err="1" smtClean="0"/>
-                        <a:t>OneMeal</a:t>
-                      </a:r>
-                      <a:r>
-                        <a:rPr lang="zh-TW" altLang="en-US" sz="1800" dirty="0" smtClean="0"/>
-                        <a:t>顯示</a:t>
-                      </a:r>
-                      <a:endParaRPr lang="zh-TW" altLang="en-US" sz="1800" dirty="0"/>
-                    </a:p>
-                  </a:txBody>
-                  <a:tcPr/>
-                </a:tc>
-                <a:tc rowSpan="2">
-                  <a:txBody>
-                    <a:bodyPr/>
-                    <a:lstStyle/>
-                    <a:p>
-                      <a:pPr algn="ctr"/>
-                      <a:r>
-                        <a:rPr lang="en-US" altLang="zh-TW" sz="1800" dirty="0" err="1" smtClean="0"/>
-                        <a:t>jmeter</a:t>
+                        <a:t>結帳</a:t>
                       </a:r>
                       <a:endParaRPr lang="zh-TW" altLang="en-US" sz="1800" dirty="0"/>
                     </a:p>
@@ -9740,12 +10084,16 @@
                 </a:tc>
               </a:tr>
               <a:tr h="438891">
-                <a:tc vMerge="1">
-                  <a:txBody>
-                    <a:bodyPr/>
-                    <a:lstStyle/>
-                    <a:p>
-                      <a:pPr algn="ctr"/>
+                <a:tc>
+                  <a:txBody>
+                    <a:bodyPr/>
+                    <a:lstStyle/>
+                    <a:p>
+                      <a:pPr algn="ctr"/>
+                      <a:r>
+                        <a:rPr lang="zh-TW" altLang="en-US" sz="1800" dirty="0" smtClean="0"/>
+                        <a:t>美食街</a:t>
+                      </a:r>
                       <a:endParaRPr lang="zh-TW" altLang="en-US" sz="1800" dirty="0"/>
                     </a:p>
                   </a:txBody>
@@ -9758,46 +10106,78 @@
                     <a:p>
                       <a:pPr algn="ctr"/>
                       <a:r>
-                        <a:rPr lang="zh-TW" altLang="en-US" sz="1800" dirty="0" smtClean="0"/>
-                        <a:t>狀態</a:t>
-                      </a:r>
-                      <a:endParaRPr lang="zh-TW" altLang="en-US" sz="1800" dirty="0"/>
-                    </a:p>
-                  </a:txBody>
-                  <a:tcPr/>
-                </a:tc>
-                <a:tc>
-                  <a:txBody>
-                    <a:bodyPr/>
-                    <a:lstStyle/>
-                    <a:p>
-                      <a:pPr algn="ctr"/>
-                      <a:r>
-                        <a:rPr lang="zh-TW" altLang="en-US" sz="1800" dirty="0" smtClean="0"/>
-                        <a:t>結帳</a:t>
-                      </a:r>
-                      <a:endParaRPr lang="zh-TW" altLang="en-US" sz="1800" dirty="0"/>
-                    </a:p>
-                  </a:txBody>
-                  <a:tcPr/>
-                </a:tc>
-                <a:tc vMerge="1">
-                  <a:txBody>
-                    <a:bodyPr/>
-                    <a:lstStyle/>
-                    <a:p>
-                      <a:pPr algn="ctr"/>
-                      <a:endParaRPr lang="zh-TW" altLang="en-US" sz="1800" dirty="0"/>
-                    </a:p>
-                  </a:txBody>
-                  <a:tcPr/>
-                </a:tc>
-                <a:tc vMerge="1">
-                  <a:txBody>
-                    <a:bodyPr/>
-                    <a:lstStyle/>
-                    <a:p>
-                      <a:endParaRPr lang="zh-TW" altLang="en-US"/>
+                        <a:rPr lang="en-US" altLang="zh-TW" dirty="0" smtClean="0"/>
+                        <a:t>Order</a:t>
+                      </a:r>
+                      <a:r>
+                        <a:rPr lang="zh-TW" altLang="en-US" dirty="0" smtClean="0"/>
+                        <a:t>狀態改為</a:t>
+                      </a:r>
+                      <a:r>
+                        <a:rPr lang="en-US" altLang="zh-TW" dirty="0" smtClean="0"/>
+                        <a:t>ACCEPTED</a:t>
+                      </a:r>
+                      <a:r>
+                        <a:rPr lang="en-US" altLang="zh-TW" dirty="0" smtClean="0">
+                          <a:solidFill>
+                            <a:srgbClr val="FF0000"/>
+                          </a:solidFill>
+                        </a:rPr>
+                        <a:t>  (</a:t>
+                      </a:r>
+                      <a:r>
+                        <a:rPr lang="zh-TW" altLang="en-US" dirty="0" smtClean="0">
+                          <a:solidFill>
+                            <a:srgbClr val="FF0000"/>
+                          </a:solidFill>
+                        </a:rPr>
+                        <a:t>注意</a:t>
+                      </a:r>
+                      <a:r>
+                        <a:rPr lang="en-US" altLang="zh-TW" dirty="0" smtClean="0">
+                          <a:solidFill>
+                            <a:srgbClr val="FF0000"/>
+                          </a:solidFill>
+                        </a:rPr>
+                        <a:t>!</a:t>
+                      </a:r>
+                      <a:r>
+                        <a:rPr lang="zh-TW" altLang="en-US" dirty="0" smtClean="0">
+                          <a:solidFill>
+                            <a:srgbClr val="FF0000"/>
+                          </a:solidFill>
+                        </a:rPr>
+                        <a:t> </a:t>
+                      </a:r>
+                      <a:r>
+                        <a:rPr lang="en-US" altLang="zh-TW" dirty="0" smtClean="0">
+                          <a:solidFill>
+                            <a:srgbClr val="FF0000"/>
+                          </a:solidFill>
+                        </a:rPr>
+                        <a:t>server</a:t>
+                      </a:r>
+                      <a:r>
+                        <a:rPr lang="zh-TW" altLang="en-US" dirty="0" smtClean="0">
+                          <a:solidFill>
+                            <a:srgbClr val="FF0000"/>
+                          </a:solidFill>
+                        </a:rPr>
+                        <a:t>會幫改</a:t>
+                      </a:r>
+                      <a:r>
+                        <a:rPr lang="en-US" altLang="zh-TW" dirty="0" smtClean="0">
+                          <a:solidFill>
+                            <a:srgbClr val="FF0000"/>
+                          </a:solidFill>
+                        </a:rPr>
+                        <a:t>)</a:t>
+                      </a:r>
+                      <a:endParaRPr lang="zh-TW" altLang="en-US" dirty="0">
+                        <a:solidFill>
+                          <a:srgbClr val="FF0000"/>
+                        </a:solidFill>
+                      </a:endParaRPr>
                     </a:p>
                   </a:txBody>
                   <a:tcPr/>
@@ -9809,93 +10189,89 @@
                     <a:bodyPr/>
                     <a:lstStyle/>
                     <a:p>
+                      <a:pPr algn="ctr"/>
+                      <a:r>
+                        <a:rPr lang="zh-TW" altLang="en-US" sz="1800" dirty="0" smtClean="0"/>
+                        <a:t>前結</a:t>
+                      </a:r>
+                      <a:endParaRPr lang="zh-TW" altLang="en-US" sz="1800" dirty="0"/>
+                    </a:p>
+                  </a:txBody>
+                  <a:tcPr/>
+                </a:tc>
+                <a:tc>
+                  <a:txBody>
+                    <a:bodyPr/>
+                    <a:lstStyle/>
+                    <a:p>
+                      <a:pPr algn="ctr"/>
                       <a:r>
                         <a:rPr lang="en-US" altLang="zh-TW" dirty="0" smtClean="0"/>
-                        <a:t>1.</a:t>
+                        <a:t>Order</a:t>
                       </a:r>
                       <a:r>
                         <a:rPr lang="zh-TW" altLang="en-US" dirty="0" smtClean="0"/>
+                        <a:t>狀態改為</a:t>
+                      </a:r>
+                      <a:r>
+                        <a:rPr lang="en-US" altLang="zh-TW" dirty="0" smtClean="0"/>
+                        <a:t>ACCEPTED</a:t>
+                      </a:r>
+                      <a:r>
+                        <a:rPr lang="en-US" altLang="zh-TW" dirty="0" smtClean="0">
+                          <a:solidFill>
+                            <a:srgbClr val="FF0000"/>
+                          </a:solidFill>
+                        </a:rPr>
+                        <a:t> (</a:t>
+                      </a:r>
+                      <a:r>
+                        <a:rPr lang="zh-TW" altLang="en-US" dirty="0" smtClean="0">
+                          <a:solidFill>
+                            <a:srgbClr val="FF0000"/>
+                          </a:solidFill>
+                        </a:rPr>
+                        <a:t>注意</a:t>
+                      </a:r>
+                      <a:r>
+                        <a:rPr lang="en-US" altLang="zh-TW" dirty="0" smtClean="0">
+                          <a:solidFill>
+                            <a:srgbClr val="FF0000"/>
+                          </a:solidFill>
+                        </a:rPr>
+                        <a:t>!</a:t>
+                      </a:r>
+                      <a:r>
+                        <a:rPr lang="zh-TW" altLang="en-US" dirty="0" smtClean="0">
+                          <a:solidFill>
+                            <a:srgbClr val="FF0000"/>
+                          </a:solidFill>
+                        </a:rPr>
                         <a:t> </a:t>
                       </a:r>
                       <a:r>
-                        <a:rPr lang="en-US" altLang="zh-TW" dirty="0" err="1" smtClean="0"/>
-                        <a:t>OneMeal</a:t>
-                      </a:r>
-                      <a:r>
-                        <a:rPr lang="en-US" altLang="zh-TW" dirty="0" smtClean="0"/>
-                        <a:t> </a:t>
-                      </a:r>
-                      <a:r>
-                        <a:rPr lang="zh-TW" altLang="en-US" dirty="0" smtClean="0"/>
-                        <a:t>送出</a:t>
-                      </a:r>
-                      <a:endParaRPr lang="zh-TW" altLang="en-US" dirty="0"/>
-                    </a:p>
-                  </a:txBody>
-                  <a:tcPr/>
-                </a:tc>
-                <a:tc>
-                  <a:txBody>
-                    <a:bodyPr/>
-                    <a:lstStyle/>
-                    <a:p>
-                      <a:pPr algn="ctr"/>
-                      <a:r>
-                        <a:rPr lang="en-US" altLang="zh-TW" dirty="0" smtClean="0"/>
-                        <a:t>Pending</a:t>
-                      </a:r>
-                      <a:endParaRPr lang="zh-TW" altLang="en-US" dirty="0"/>
-                    </a:p>
-                  </a:txBody>
-                  <a:tcPr/>
-                </a:tc>
-                <a:tc>
-                  <a:txBody>
-                    <a:bodyPr/>
-                    <a:lstStyle/>
-                    <a:p>
-                      <a:pPr algn="ctr"/>
-                      <a:r>
-                        <a:rPr lang="en-US" altLang="zh-TW" dirty="0" smtClean="0"/>
-                        <a:t>false</a:t>
-                      </a:r>
-                      <a:endParaRPr lang="zh-TW" altLang="en-US" dirty="0"/>
-                    </a:p>
-                  </a:txBody>
-                  <a:tcPr/>
-                </a:tc>
-                <a:tc>
-                  <a:txBody>
-                    <a:bodyPr/>
-                    <a:lstStyle/>
-                    <a:p>
-                      <a:pPr algn="ctr"/>
-                      <a:r>
-                        <a:rPr lang="zh-TW" altLang="en-US" dirty="0" smtClean="0"/>
-                        <a:t>未結帳</a:t>
-                      </a:r>
-                      <a:endParaRPr lang="zh-TW" altLang="en-US" dirty="0"/>
-                    </a:p>
-                  </a:txBody>
-                  <a:tcPr/>
-                </a:tc>
-                <a:tc>
-                  <a:txBody>
-                    <a:bodyPr/>
-                    <a:lstStyle/>
-                    <a:p>
-                      <a:pPr algn="ctr"/>
-                      <a:r>
-                        <a:rPr lang="zh-TW" altLang="en-US" smtClean="0"/>
-                        <a:t>顧客取得我的點餐訂單列表</a:t>
-                      </a:r>
-                      <a:r>
-                        <a:rPr lang="en-US" altLang="zh-TW" smtClean="0"/>
-                        <a:t>-</a:t>
-                      </a:r>
-                      <a:r>
-                        <a:rPr lang="zh-TW" altLang="en-US" smtClean="0"/>
-                        <a:t>未結帳</a:t>
+                        <a:rPr lang="en-US" altLang="zh-TW" dirty="0" smtClean="0">
+                          <a:solidFill>
+                            <a:srgbClr val="FF0000"/>
+                          </a:solidFill>
+                        </a:rPr>
+                        <a:t>server</a:t>
+                      </a:r>
+                      <a:r>
+                        <a:rPr lang="zh-TW" altLang="en-US" dirty="0" smtClean="0">
+                          <a:solidFill>
+                            <a:srgbClr val="FF0000"/>
+                          </a:solidFill>
+                        </a:rPr>
+                        <a:t>會幫改</a:t>
+                      </a:r>
+                      <a:r>
+                        <a:rPr lang="en-US" altLang="zh-TW" dirty="0" smtClean="0">
+                          <a:solidFill>
+                            <a:srgbClr val="FF0000"/>
+                          </a:solidFill>
+                        </a:rPr>
+                        <a:t>)</a:t>
                       </a:r>
                       <a:endParaRPr lang="zh-TW" altLang="en-US" dirty="0"/>
                     </a:p>
@@ -9909,317 +10285,89 @@
                     <a:bodyPr/>
                     <a:lstStyle/>
                     <a:p>
+                      <a:pPr algn="ctr"/>
+                      <a:r>
+                        <a:rPr lang="zh-TW" altLang="en-US" sz="1800" dirty="0" smtClean="0"/>
+                        <a:t>後結</a:t>
+                      </a:r>
+                      <a:endParaRPr lang="zh-TW" altLang="en-US" sz="1800" dirty="0"/>
+                    </a:p>
+                  </a:txBody>
+                  <a:tcPr/>
+                </a:tc>
+                <a:tc>
+                  <a:txBody>
+                    <a:bodyPr/>
+                    <a:lstStyle/>
+                    <a:p>
+                      <a:pPr algn="ctr"/>
                       <a:r>
                         <a:rPr lang="en-US" altLang="zh-TW" dirty="0" smtClean="0"/>
-                        <a:t>2.</a:t>
+                        <a:t>Order</a:t>
                       </a:r>
                       <a:r>
                         <a:rPr lang="zh-TW" altLang="en-US" dirty="0" smtClean="0"/>
-                        <a:t> </a:t>
-                      </a:r>
-                      <a:r>
-                        <a:rPr lang="en-US" altLang="zh-TW" dirty="0" err="1" smtClean="0"/>
-                        <a:t>OneChef</a:t>
-                      </a:r>
-                      <a:r>
-                        <a:rPr lang="zh-TW" altLang="en-US" dirty="0" smtClean="0"/>
-                        <a:t> 接受結帳</a:t>
-                      </a:r>
-                      <a:endParaRPr lang="zh-TW" altLang="en-US" dirty="0"/>
-                    </a:p>
-                  </a:txBody>
-                  <a:tcPr/>
-                </a:tc>
-                <a:tc>
-                  <a:txBody>
-                    <a:bodyPr/>
-                    <a:lstStyle/>
-                    <a:p>
-                      <a:pPr algn="ctr"/>
+                        <a:t>狀態改為</a:t>
+                      </a:r>
                       <a:r>
                         <a:rPr lang="en-US" altLang="zh-TW" dirty="0" smtClean="0"/>
-                        <a:t>Accepted</a:t>
-                      </a:r>
-                      <a:endParaRPr lang="zh-TW" altLang="en-US" dirty="0"/>
-                    </a:p>
-                  </a:txBody>
-                  <a:tcPr/>
-                </a:tc>
-                <a:tc>
-                  <a:txBody>
-                    <a:bodyPr/>
-                    <a:lstStyle/>
-                    <a:p>
-                      <a:pPr algn="ctr"/>
-                      <a:r>
-                        <a:rPr lang="en-US" altLang="zh-TW" dirty="0" smtClean="0"/>
-                        <a:t>true</a:t>
-                      </a:r>
-                      <a:endParaRPr lang="zh-TW" altLang="en-US" dirty="0"/>
-                    </a:p>
-                  </a:txBody>
-                  <a:tcPr/>
-                </a:tc>
-                <a:tc>
-                  <a:txBody>
-                    <a:bodyPr/>
-                    <a:lstStyle/>
-                    <a:p>
-                      <a:pPr algn="ctr"/>
-                      <a:r>
-                        <a:rPr lang="zh-TW" altLang="en-US" dirty="0" smtClean="0"/>
-                        <a:t>尚未取餐</a:t>
-                      </a:r>
-                      <a:endParaRPr lang="zh-TW" altLang="en-US" dirty="0"/>
-                    </a:p>
-                  </a:txBody>
-                  <a:tcPr/>
-                </a:tc>
-                <a:tc>
-                  <a:txBody>
-                    <a:bodyPr/>
-                    <a:lstStyle/>
-                    <a:p>
-                      <a:pPr algn="ctr"/>
-                      <a:r>
-                        <a:rPr lang="zh-TW" altLang="en-US" smtClean="0"/>
-                        <a:t>顧客取得我的點餐訂單列表</a:t>
-                      </a:r>
-                      <a:r>
-                        <a:rPr lang="en-US" altLang="zh-TW" smtClean="0"/>
-                        <a:t>-</a:t>
-                      </a:r>
-                      <a:r>
-                        <a:rPr lang="zh-TW" altLang="en-US" smtClean="0"/>
-                        <a:t>尚未取餐 </a:t>
-                      </a:r>
-                      <a:endParaRPr lang="zh-TW" altLang="en-US" dirty="0"/>
-                    </a:p>
-                  </a:txBody>
-                  <a:tcPr/>
-                </a:tc>
-              </a:tr>
-              <a:tr h="438891">
-                <a:tc>
-                  <a:txBody>
-                    <a:bodyPr/>
-                    <a:lstStyle/>
-                    <a:p>
-                      <a:r>
-                        <a:rPr lang="en-US" altLang="zh-TW" dirty="0" smtClean="0"/>
-                        <a:t>3.</a:t>
-                      </a:r>
-                      <a:r>
-                        <a:rPr lang="zh-TW" altLang="en-US" dirty="0" smtClean="0"/>
-                        <a:t> </a:t>
-                      </a:r>
-                      <a:r>
-                        <a:rPr lang="en-US" altLang="zh-TW" dirty="0" err="1" smtClean="0"/>
-                        <a:t>OneChef</a:t>
-                      </a:r>
-                      <a:r>
-                        <a:rPr lang="en-US" altLang="zh-TW" dirty="0" smtClean="0"/>
-                        <a:t> </a:t>
-                      </a:r>
-                      <a:r>
-                        <a:rPr lang="zh-TW" altLang="en-US" dirty="0" smtClean="0"/>
-                        <a:t>通知</a:t>
-                      </a:r>
-                      <a:endParaRPr lang="zh-TW" altLang="en-US" dirty="0"/>
-                    </a:p>
-                  </a:txBody>
-                  <a:tcPr/>
-                </a:tc>
-                <a:tc>
-                  <a:txBody>
-                    <a:bodyPr/>
-                    <a:lstStyle/>
-                    <a:p>
-                      <a:pPr algn="ctr"/>
-                      <a:r>
-                        <a:rPr lang="en-US" altLang="zh-TW" dirty="0" smtClean="0"/>
-                        <a:t>Deliver</a:t>
-                      </a:r>
-                      <a:endParaRPr lang="zh-TW" altLang="en-US" dirty="0"/>
-                    </a:p>
-                  </a:txBody>
-                  <a:tcPr/>
-                </a:tc>
-                <a:tc>
-                  <a:txBody>
-                    <a:bodyPr/>
-                    <a:lstStyle/>
-                    <a:p>
-                      <a:pPr algn="ctr"/>
-                      <a:r>
-                        <a:rPr lang="en-US" altLang="zh-TW" dirty="0" smtClean="0"/>
-                        <a:t>true</a:t>
-                      </a:r>
-                      <a:endParaRPr lang="zh-TW" altLang="en-US" dirty="0"/>
-                    </a:p>
-                  </a:txBody>
-                  <a:tcPr/>
-                </a:tc>
-                <a:tc>
-                  <a:txBody>
-                    <a:bodyPr/>
-                    <a:lstStyle/>
-                    <a:p>
-                      <a:pPr algn="ctr"/>
-                      <a:r>
-                        <a:rPr lang="zh-TW" altLang="en-US" dirty="0" smtClean="0"/>
-                        <a:t>前往取餐</a:t>
-                      </a:r>
-                      <a:endParaRPr lang="zh-TW" altLang="en-US" dirty="0"/>
-                    </a:p>
-                  </a:txBody>
-                  <a:tcPr/>
-                </a:tc>
-                <a:tc>
-                  <a:txBody>
-                    <a:bodyPr/>
-                    <a:lstStyle/>
-                    <a:p>
-                      <a:pPr algn="ctr"/>
-                      <a:r>
-                        <a:rPr lang="zh-TW" altLang="en-US" smtClean="0"/>
-                        <a:t>顧客取得我的點餐訂單列表</a:t>
-                      </a:r>
-                      <a:r>
-                        <a:rPr lang="en-US" altLang="zh-TW" smtClean="0"/>
-                        <a:t>-</a:t>
-                      </a:r>
-                      <a:r>
-                        <a:rPr lang="zh-TW" altLang="en-US" smtClean="0"/>
-                        <a:t>前往取餐</a:t>
-                      </a:r>
-                      <a:endParaRPr lang="zh-TW" altLang="en-US" dirty="0"/>
-                    </a:p>
-                  </a:txBody>
-                  <a:tcPr/>
-                </a:tc>
-              </a:tr>
-              <a:tr h="438891">
-                <a:tc>
-                  <a:txBody>
-                    <a:bodyPr/>
-                    <a:lstStyle/>
-                    <a:p>
-                      <a:r>
-                        <a:rPr lang="en-US" altLang="zh-TW" dirty="0" smtClean="0"/>
-                        <a:t>4.</a:t>
-                      </a:r>
-                      <a:r>
-                        <a:rPr lang="zh-TW" altLang="en-US" dirty="0" smtClean="0"/>
-                        <a:t> </a:t>
-                      </a:r>
-                      <a:r>
-                        <a:rPr lang="en-US" altLang="zh-TW" dirty="0" err="1" smtClean="0"/>
-                        <a:t>OneChef</a:t>
-                      </a:r>
-                      <a:r>
-                        <a:rPr lang="en-US" altLang="zh-TW" dirty="0" smtClean="0"/>
-                        <a:t> </a:t>
-                      </a:r>
-                      <a:r>
-                        <a:rPr lang="zh-TW" altLang="en-US" dirty="0" smtClean="0"/>
-                        <a:t>取餐完成</a:t>
-                      </a:r>
-                      <a:endParaRPr lang="zh-TW" altLang="en-US" dirty="0"/>
-                    </a:p>
-                  </a:txBody>
-                  <a:tcPr/>
-                </a:tc>
-                <a:tc>
-                  <a:txBody>
-                    <a:bodyPr/>
-                    <a:lstStyle/>
-                    <a:p>
-                      <a:pPr algn="ctr"/>
-                      <a:r>
-                        <a:rPr lang="en-US" altLang="zh-TW" dirty="0" smtClean="0"/>
-                        <a:t>Complete</a:t>
-                      </a:r>
-                      <a:endParaRPr lang="zh-TW" altLang="en-US" dirty="0"/>
-                    </a:p>
-                  </a:txBody>
-                  <a:tcPr/>
-                </a:tc>
-                <a:tc>
-                  <a:txBody>
-                    <a:bodyPr/>
-                    <a:lstStyle/>
-                    <a:p>
-                      <a:pPr algn="ctr"/>
-                      <a:r>
-                        <a:rPr lang="en-US" altLang="zh-TW" dirty="0" smtClean="0"/>
-                        <a:t>true</a:t>
-                      </a:r>
-                      <a:endParaRPr lang="zh-TW" altLang="en-US" dirty="0"/>
-                    </a:p>
-                  </a:txBody>
-                  <a:tcPr/>
-                </a:tc>
-                <a:tc>
-                  <a:txBody>
-                    <a:bodyPr/>
-                    <a:lstStyle/>
-                    <a:p>
-                      <a:pPr marL="0" marR="0" indent="0" algn="ctr" defTabSz="914400" rtl="0" eaLnBrk="1" fontAlgn="auto" latinLnBrk="0" hangingPunct="1">
-                        <a:lnSpc>
-                          <a:spcPct val="100000"/>
-                        </a:lnSpc>
-                        <a:spcBef>
-                          <a:spcPts val="0"/>
-                        </a:spcBef>
-                        <a:spcAft>
-                          <a:spcPts val="0"/>
-                        </a:spcAft>
-                        <a:buClrTx/>
-                        <a:buSzTx/>
-                        <a:buFontTx/>
-                        <a:buNone/>
-                        <a:tabLst/>
-                        <a:defRPr/>
-                      </a:pPr>
+                        <a:t>COMPLETE</a:t>
+                      </a:r>
+                      <a:r>
+                        <a:rPr lang="en-US" altLang="zh-TW" dirty="0" smtClean="0">
+                          <a:solidFill>
+                            <a:srgbClr val="FF0000"/>
+                          </a:solidFill>
+                        </a:rPr>
+                        <a:t> (</a:t>
+                      </a:r>
                       <a:r>
                         <a:rPr lang="zh-TW" altLang="en-US" dirty="0" smtClean="0">
                           <a:solidFill>
-                            <a:schemeClr val="tx1"/>
+                            <a:srgbClr val="FF0000"/>
                           </a:solidFill>
                         </a:rPr>
-                        <a:t>消失在列表</a:t>
-                      </a:r>
-                      <a:endParaRPr lang="zh-TW" altLang="en-US" dirty="0"/>
-                    </a:p>
-                  </a:txBody>
-                  <a:tcPr/>
-                </a:tc>
-                <a:tc>
-                  <a:txBody>
-                    <a:bodyPr/>
-                    <a:lstStyle/>
-                    <a:p>
-                      <a:pPr marL="0" marR="0" indent="0" algn="ctr" defTabSz="914400" rtl="0" eaLnBrk="1" fontAlgn="auto" latinLnBrk="0" hangingPunct="1">
-                        <a:lnSpc>
-                          <a:spcPct val="100000"/>
-                        </a:lnSpc>
-                        <a:spcBef>
-                          <a:spcPts val="0"/>
-                        </a:spcBef>
-                        <a:spcAft>
-                          <a:spcPts val="0"/>
-                        </a:spcAft>
-                        <a:buClrTx/>
-                        <a:buSzTx/>
-                        <a:buFontTx/>
-                        <a:buNone/>
-                        <a:tabLst/>
-                        <a:defRPr/>
-                      </a:pPr>
-                      <a:r>
-                        <a:rPr lang="zh-TW" altLang="en-US" dirty="0" smtClean="0"/>
-                        <a:t>顧客取得歷史紀錄訂單列表</a:t>
+                        <a:t>注意</a:t>
+                      </a:r>
+                      <a:r>
+                        <a:rPr lang="en-US" altLang="zh-TW" dirty="0" smtClean="0">
+                          <a:solidFill>
+                            <a:srgbClr val="FF0000"/>
+                          </a:solidFill>
+                        </a:rPr>
+                        <a:t>!</a:t>
+                      </a:r>
+                      <a:r>
+                        <a:rPr lang="zh-TW" altLang="en-US" dirty="0" smtClean="0">
+                          <a:solidFill>
+                            <a:srgbClr val="FF0000"/>
+                          </a:solidFill>
+                        </a:rPr>
+                        <a:t> </a:t>
+                      </a:r>
+                      <a:r>
+                        <a:rPr lang="en-US" altLang="zh-TW" dirty="0" smtClean="0">
+                          <a:solidFill>
+                            <a:srgbClr val="FF0000"/>
+                          </a:solidFill>
+                        </a:rPr>
+                        <a:t>server</a:t>
+                      </a:r>
+                      <a:r>
+                        <a:rPr lang="zh-TW" altLang="en-US" dirty="0" smtClean="0">
+                          <a:solidFill>
+                            <a:srgbClr val="FF0000"/>
+                          </a:solidFill>
+                        </a:rPr>
+                        <a:t>會幫改</a:t>
+                      </a:r>
+                      <a:r>
+                        <a:rPr lang="en-US" altLang="zh-TW" dirty="0" smtClean="0">
+                          <a:solidFill>
+                            <a:srgbClr val="FF0000"/>
+                          </a:solidFill>
+                        </a:rPr>
+                        <a:t>)</a:t>
                       </a:r>
                       <a:endParaRPr lang="zh-TW" altLang="en-US" dirty="0"/>
                     </a:p>
@@ -10234,7 +10382,142 @@
     </p:spTree>
     <p:extLst>
       <p:ext uri="{BB962C8B-B14F-4D97-AF65-F5344CB8AC3E}">
-        <p14:creationId xmlns:p14="http://schemas.microsoft.com/office/powerpoint/2010/main" val="604119071"/>
+        <p14:creationId xmlns:p14="http://schemas.microsoft.com/office/powerpoint/2010/main" val="2689563229"/>
+      </p:ext>
+    </p:extLst>
+  </p:cSld>
+  <p:clrMapOvr>
+    <a:masterClrMapping/>
+  </p:clrMapOvr>
+</p:sld>
+</file>
+
+<file path=ppt/slides/slide9.xml><?xml version="1.0" encoding="utf-8"?>
+<p:sld xmlns:a="http://schemas.openxmlformats.org/drawingml/2006/main" xmlns:r="http://schemas.openxmlformats.org/officeDocument/2006/relationships" xmlns:p="http://schemas.openxmlformats.org/presentationml/2006/main">
+  <p:cSld>
+    <p:spTree>
+      <p:nvGrpSpPr>
+        <p:cNvPr id="1" name=""/>
+        <p:cNvGrpSpPr/>
+        <p:nvPr/>
+      </p:nvGrpSpPr>
+      <p:grpSpPr>
+        <a:xfrm>
+          <a:off x="0" y="0"/>
+          <a:ext cx="0" cy="0"/>
+          <a:chOff x="0" y="0"/>
+          <a:chExt cx="0" cy="0"/>
+        </a:xfrm>
+      </p:grpSpPr>
+      <p:sp>
+        <p:nvSpPr>
+          <p:cNvPr id="2" name="標題 1"/>
+          <p:cNvSpPr>
+            <a:spLocks noGrp="1"/>
+          </p:cNvSpPr>
+          <p:nvPr>
+            <p:ph type="ctrTitle"/>
+          </p:nvPr>
+        </p:nvSpPr>
+        <p:spPr/>
+        <p:txBody>
+          <a:bodyPr/>
+          <a:lstStyle/>
+          <a:p>
+            <a:r>
+              <a:rPr lang="en-US" altLang="zh-TW" dirty="0" err="1" smtClean="0"/>
+              <a:t>OneChef</a:t>
+            </a:r>
+            <a:r>
+              <a:rPr lang="en-US" altLang="zh-TW" dirty="0" smtClean="0"/>
+              <a:t> </a:t>
+            </a:r>
+            <a:r>
+              <a:rPr lang="en-US" altLang="zh-TW" dirty="0" err="1" smtClean="0"/>
+              <a:t>OneMeal</a:t>
+            </a:r>
+            <a:r>
+              <a:rPr lang="en-US" altLang="zh-TW" smtClean="0"/>
+              <a:t/>
+            </a:r>
+            <a:br>
+              <a:rPr lang="en-US" altLang="zh-TW" smtClean="0"/>
+            </a:br>
+            <a:r>
+              <a:rPr lang="zh-TW" altLang="en-US" smtClean="0"/>
+              <a:t>連</a:t>
+            </a:r>
+            <a:r>
+              <a:rPr lang="zh-TW" altLang="en-US" dirty="0" smtClean="0"/>
+              <a:t>動表格</a:t>
+            </a:r>
+            <a:endParaRPr lang="zh-TW" altLang="en-US" dirty="0"/>
+          </a:p>
+        </p:txBody>
+      </p:sp>
+      <p:sp>
+        <p:nvSpPr>
+          <p:cNvPr id="3" name="副標題 2"/>
+          <p:cNvSpPr>
+            <a:spLocks noGrp="1"/>
+          </p:cNvSpPr>
+          <p:nvPr>
+            <p:ph type="subTitle" idx="1"/>
+          </p:nvPr>
+        </p:nvSpPr>
+        <p:spPr/>
+        <p:txBody>
+          <a:bodyPr/>
+          <a:lstStyle/>
+          <a:p>
+            <a:r>
+              <a:rPr lang="zh-TW" altLang="en-US" dirty="0" smtClean="0"/>
+              <a:t>以下紀錄 </a:t>
+            </a:r>
+            <a:r>
+              <a:rPr lang="en-US" altLang="zh-TW" dirty="0" err="1" smtClean="0"/>
+              <a:t>oneMeal</a:t>
+            </a:r>
+            <a:r>
+              <a:rPr lang="en-US" altLang="zh-TW" dirty="0" smtClean="0"/>
+              <a:t> </a:t>
+            </a:r>
+            <a:r>
+              <a:rPr lang="zh-TW" altLang="en-US" dirty="0" smtClean="0"/>
+              <a:t>與 </a:t>
+            </a:r>
+            <a:r>
+              <a:rPr lang="en-US" altLang="zh-TW" dirty="0" err="1" smtClean="0"/>
+              <a:t>oneChef</a:t>
+            </a:r>
+            <a:r>
+              <a:rPr lang="en-US" altLang="zh-TW" dirty="0" smtClean="0"/>
+              <a:t> </a:t>
+            </a:r>
+            <a:r>
+              <a:rPr lang="zh-TW" altLang="en-US" dirty="0"/>
+              <a:t>每</a:t>
+            </a:r>
+            <a:r>
+              <a:rPr lang="zh-TW" altLang="en-US" dirty="0" smtClean="0"/>
+              <a:t>個動作的</a:t>
+            </a:r>
+            <a:r>
+              <a:rPr lang="en-US" altLang="zh-TW" dirty="0" smtClean="0"/>
+              <a:t>order</a:t>
+            </a:r>
+            <a:r>
+              <a:rPr lang="zh-TW" altLang="en-US" dirty="0" smtClean="0"/>
+              <a:t>狀態</a:t>
+            </a:r>
+            <a:endParaRPr lang="zh-TW" altLang="en-US" dirty="0"/>
+          </a:p>
+        </p:txBody>
+      </p:sp>
+    </p:spTree>
+    <p:extLst>
+      <p:ext uri="{BB962C8B-B14F-4D97-AF65-F5344CB8AC3E}">
+        <p14:creationId xmlns:p14="http://schemas.microsoft.com/office/powerpoint/2010/main" val="379410454"/>
       </p:ext>
     </p:extLst>
   </p:cSld>
